--- a/Lectures/In Class/Design Reflections.pptx
+++ b/Lectures/In Class/Design Reflections.pptx
@@ -702,59 +702,6 @@
           </a:p>
         </p:txBody>
       </p:sp>
-      <p:sp>
-        <p:nvSpPr>
-          <p:cNvPr id="11271" name="Rectangle 7"/>
-          <p:cNvSpPr>
-            <a:spLocks noGrp="1" noChangeArrowheads="1"/>
-          </p:cNvSpPr>
-          <p:nvPr>
-            <p:ph type="sldNum" sz="quarter" idx="5"/>
-          </p:nvPr>
-        </p:nvSpPr>
-        <p:spPr bwMode="auto">
-          <a:xfrm>
-            <a:off x="3884613" y="8831263"/>
-            <a:ext cx="2971800" cy="463550"/>
-          </a:xfrm>
-          <a:prstGeom prst="rect">
-            <a:avLst/>
-          </a:prstGeom>
-          <a:noFill/>
-          <a:ln w="9525">
-            <a:noFill/>
-            <a:miter lim="800000"/>
-            <a:headEnd/>
-            <a:tailEnd/>
-          </a:ln>
-          <a:effectLst/>
-        </p:spPr>
-        <p:txBody>
-          <a:bodyPr vert="horz" wrap="square" lIns="92302" tIns="46151" rIns="92302" bIns="46151" numCol="1" anchor="b" anchorCtr="0" compatLnSpc="1">
-            <a:prstTxWarp prst="textNoShape">
-              <a:avLst/>
-            </a:prstTxWarp>
-          </a:bodyPr>
-          <a:lstStyle>
-            <a:lvl1pPr algn="r" defTabSz="923925" eaLnBrk="1" hangingPunct="1">
-              <a:spcBef>
-                <a:spcPct val="0"/>
-              </a:spcBef>
-              <a:defRPr sz="1200">
-                <a:latin typeface="Arial" charset="0"/>
-              </a:defRPr>
-            </a:lvl1pPr>
-          </a:lstStyle>
-          <a:p>
-            <a:fld id="{68131A24-38D8-4CC5-9E6E-A126B09286EB}" type="slidenum">
-              <a:rPr lang="en-US"/>
-              <a:pPr/>
-              <a:t>‹#›</a:t>
-            </a:fld>
-            <a:endParaRPr lang="en-US"/>
-          </a:p>
-        </p:txBody>
-      </p:sp>
     </p:spTree>
     <p:extLst>
       <p:ext uri="{BB962C8B-B14F-4D97-AF65-F5344CB8AC3E}">
@@ -932,7 +879,7 @@
           <a:bodyPr/>
           <a:lstStyle/>
           <a:p>
-            <a:endParaRPr lang="en-US" dirty="0"/>
+            <a:endParaRPr lang="es-HN"/>
           </a:p>
         </p:txBody>
       </p:sp>
@@ -946,7 +893,15 @@
             <p:ph type="sldNum" sz="quarter" idx="10"/>
           </p:nvPr>
         </p:nvSpPr>
-        <p:spPr/>
+        <p:spPr>
+          <a:xfrm>
+            <a:off x="3884613" y="8831263"/>
+            <a:ext cx="2971800" cy="463550"/>
+          </a:xfrm>
+          <a:prstGeom prst="rect">
+            <a:avLst/>
+          </a:prstGeom>
+        </p:spPr>
         <p:txBody>
           <a:bodyPr/>
           <a:lstStyle/>
@@ -954,7 +909,7 @@
             <a:fld id="{68131A24-38D8-4CC5-9E6E-A126B09286EB}" type="slidenum">
               <a:rPr lang="en-US" smtClean="0"/>
               <a:pPr/>
-              <a:t>7</a:t>
+              <a:t>1</a:t>
             </a:fld>
             <a:endParaRPr lang="en-US"/>
           </a:p>
@@ -963,7 +918,7 @@
     </p:spTree>
     <p:extLst>
       <p:ext uri="{BB962C8B-B14F-4D97-AF65-F5344CB8AC3E}">
-        <p14:creationId xmlns:p14="http://schemas.microsoft.com/office/powerpoint/2010/main" val="865728318"/>
+        <p14:creationId xmlns:p14="http://schemas.microsoft.com/office/powerpoint/2010/main" val="2303842223"/>
       </p:ext>
     </p:extLst>
   </p:cSld>
@@ -1017,6 +972,99 @@
           <a:bodyPr/>
           <a:lstStyle/>
           <a:p>
+            <a:endParaRPr lang="en-US" dirty="0"/>
+          </a:p>
+        </p:txBody>
+      </p:sp>
+      <p:sp>
+        <p:nvSpPr>
+          <p:cNvPr id="4" name="Slide Number Placeholder 3"/>
+          <p:cNvSpPr>
+            <a:spLocks noGrp="1"/>
+          </p:cNvSpPr>
+          <p:nvPr>
+            <p:ph type="sldNum" sz="quarter" idx="10"/>
+          </p:nvPr>
+        </p:nvSpPr>
+        <p:spPr>
+          <a:xfrm>
+            <a:off x="3884613" y="8831263"/>
+            <a:ext cx="2971800" cy="463550"/>
+          </a:xfrm>
+          <a:prstGeom prst="rect">
+            <a:avLst/>
+          </a:prstGeom>
+        </p:spPr>
+        <p:txBody>
+          <a:bodyPr/>
+          <a:lstStyle/>
+          <a:p>
+            <a:fld id="{68131A24-38D8-4CC5-9E6E-A126B09286EB}" type="slidenum">
+              <a:rPr lang="en-US" smtClean="0"/>
+              <a:pPr/>
+              <a:t>7</a:t>
+            </a:fld>
+            <a:endParaRPr lang="en-US"/>
+          </a:p>
+        </p:txBody>
+      </p:sp>
+    </p:spTree>
+    <p:extLst>
+      <p:ext uri="{BB962C8B-B14F-4D97-AF65-F5344CB8AC3E}">
+        <p14:creationId xmlns:p14="http://schemas.microsoft.com/office/powerpoint/2010/main" val="865728318"/>
+      </p:ext>
+    </p:extLst>
+  </p:cSld>
+  <p:clrMapOvr>
+    <a:masterClrMapping/>
+  </p:clrMapOvr>
+</p:notes>
+</file>
+
+<file path=ppt/notesSlides/notesSlide3.xml><?xml version="1.0" encoding="utf-8"?>
+<p:notes xmlns:a="http://schemas.openxmlformats.org/drawingml/2006/main" xmlns:r="http://schemas.openxmlformats.org/officeDocument/2006/relationships" xmlns:p="http://schemas.openxmlformats.org/presentationml/2006/main">
+  <p:cSld>
+    <p:spTree>
+      <p:nvGrpSpPr>
+        <p:cNvPr id="1" name=""/>
+        <p:cNvGrpSpPr/>
+        <p:nvPr/>
+      </p:nvGrpSpPr>
+      <p:grpSpPr>
+        <a:xfrm>
+          <a:off x="0" y="0"/>
+          <a:ext cx="0" cy="0"/>
+          <a:chOff x="0" y="0"/>
+          <a:chExt cx="0" cy="0"/>
+        </a:xfrm>
+      </p:grpSpPr>
+      <p:sp>
+        <p:nvSpPr>
+          <p:cNvPr id="2" name="Slide Image Placeholder 1"/>
+          <p:cNvSpPr>
+            <a:spLocks noGrp="1" noRot="1" noChangeAspect="1"/>
+          </p:cNvSpPr>
+          <p:nvPr>
+            <p:ph type="sldImg"/>
+          </p:nvPr>
+        </p:nvSpPr>
+        <p:spPr/>
+      </p:sp>
+      <p:sp>
+        <p:nvSpPr>
+          <p:cNvPr id="3" name="Notes Placeholder 2"/>
+          <p:cNvSpPr>
+            <a:spLocks noGrp="1"/>
+          </p:cNvSpPr>
+          <p:nvPr>
+            <p:ph type="body" idx="1"/>
+          </p:nvPr>
+        </p:nvSpPr>
+        <p:spPr/>
+        <p:txBody>
+          <a:bodyPr/>
+          <a:lstStyle/>
+          <a:p>
             <a:pPr marL="0" marR="0" indent="0" algn="l" defTabSz="914400" rtl="0" eaLnBrk="1" fontAlgn="base" latinLnBrk="0" hangingPunct="1">
               <a:lnSpc>
                 <a:spcPct val="100000"/>
@@ -1183,7 +1231,15 @@
             <p:ph type="sldNum" sz="quarter" idx="10"/>
           </p:nvPr>
         </p:nvSpPr>
-        <p:spPr/>
+        <p:spPr>
+          <a:xfrm>
+            <a:off x="3884613" y="8831263"/>
+            <a:ext cx="2971800" cy="463550"/>
+          </a:xfrm>
+          <a:prstGeom prst="rect">
+            <a:avLst/>
+          </a:prstGeom>
+        </p:spPr>
         <p:txBody>
           <a:bodyPr/>
           <a:lstStyle/>
@@ -1203,88 +1259,6 @@
         <p14:creationId xmlns:p14="http://schemas.microsoft.com/office/powerpoint/2010/main" val="3030143940"/>
       </p:ext>
     </p:extLst>
-  </p:cSld>
-  <p:clrMapOvr>
-    <a:masterClrMapping/>
-  </p:clrMapOvr>
-</p:notes>
-</file>
-
-<file path=ppt/notesSlides/notesSlide3.xml><?xml version="1.0" encoding="utf-8"?>
-<p:notes xmlns:a="http://schemas.openxmlformats.org/drawingml/2006/main" xmlns:r="http://schemas.openxmlformats.org/officeDocument/2006/relationships" xmlns:p="http://schemas.openxmlformats.org/presentationml/2006/main">
-  <p:cSld>
-    <p:spTree>
-      <p:nvGrpSpPr>
-        <p:cNvPr id="1" name=""/>
-        <p:cNvGrpSpPr/>
-        <p:nvPr/>
-      </p:nvGrpSpPr>
-      <p:grpSpPr>
-        <a:xfrm>
-          <a:off x="0" y="0"/>
-          <a:ext cx="0" cy="0"/>
-          <a:chOff x="0" y="0"/>
-          <a:chExt cx="0" cy="0"/>
-        </a:xfrm>
-      </p:grpSpPr>
-      <p:sp>
-        <p:nvSpPr>
-          <p:cNvPr id="2" name="Slide Image Placeholder 1"/>
-          <p:cNvSpPr>
-            <a:spLocks noGrp="1" noRot="1" noChangeAspect="1"/>
-          </p:cNvSpPr>
-          <p:nvPr>
-            <p:ph type="sldImg"/>
-          </p:nvPr>
-        </p:nvSpPr>
-        <p:spPr/>
-      </p:sp>
-      <p:sp>
-        <p:nvSpPr>
-          <p:cNvPr id="3" name="Notes Placeholder 2"/>
-          <p:cNvSpPr>
-            <a:spLocks noGrp="1"/>
-          </p:cNvSpPr>
-          <p:nvPr>
-            <p:ph type="body" idx="1"/>
-          </p:nvPr>
-        </p:nvSpPr>
-        <p:spPr/>
-        <p:txBody>
-          <a:bodyPr>
-            <a:normAutofit/>
-          </a:bodyPr>
-          <a:lstStyle/>
-          <a:p>
-            <a:endParaRPr lang="en-US" dirty="0"/>
-          </a:p>
-        </p:txBody>
-      </p:sp>
-      <p:sp>
-        <p:nvSpPr>
-          <p:cNvPr id="4" name="Slide Number Placeholder 3"/>
-          <p:cNvSpPr>
-            <a:spLocks noGrp="1"/>
-          </p:cNvSpPr>
-          <p:nvPr>
-            <p:ph type="sldNum" sz="quarter" idx="10"/>
-          </p:nvPr>
-        </p:nvSpPr>
-        <p:spPr/>
-        <p:txBody>
-          <a:bodyPr/>
-          <a:lstStyle/>
-          <a:p>
-            <a:fld id="{10DE02E4-A158-45AA-B5D0-F76AD53DDB06}" type="slidenum">
-              <a:rPr lang="en-US" smtClean="0"/>
-              <a:pPr/>
-              <a:t>16</a:t>
-            </a:fld>
-            <a:endParaRPr lang="en-US"/>
-          </a:p>
-        </p:txBody>
-      </p:sp>
-    </p:spTree>
   </p:cSld>
   <p:clrMapOvr>
     <a:masterClrMapping/>
@@ -1333,90 +1307,48 @@
         </p:nvSpPr>
         <p:spPr/>
         <p:txBody>
+          <a:bodyPr>
+            <a:normAutofit/>
+          </a:bodyPr>
+          <a:lstStyle/>
+          <a:p>
+            <a:endParaRPr lang="en-US" dirty="0"/>
+          </a:p>
+        </p:txBody>
+      </p:sp>
+      <p:sp>
+        <p:nvSpPr>
+          <p:cNvPr id="4" name="Slide Number Placeholder 3"/>
+          <p:cNvSpPr>
+            <a:spLocks noGrp="1"/>
+          </p:cNvSpPr>
+          <p:nvPr>
+            <p:ph type="sldNum" sz="quarter" idx="10"/>
+          </p:nvPr>
+        </p:nvSpPr>
+        <p:spPr>
+          <a:xfrm>
+            <a:off x="3884613" y="8831263"/>
+            <a:ext cx="2971800" cy="463550"/>
+          </a:xfrm>
+          <a:prstGeom prst="rect">
+            <a:avLst/>
+          </a:prstGeom>
+        </p:spPr>
+        <p:txBody>
           <a:bodyPr/>
           <a:lstStyle/>
           <a:p>
-            <a:r>
-              <a:rPr lang="en-US" dirty="0" smtClean="0"/>
-              <a:t>Assemble a team!</a:t>
-            </a:r>
-          </a:p>
-          <a:p>
-            <a:r>
-              <a:rPr lang="en-US" dirty="0" smtClean="0"/>
-              <a:t>Humility</a:t>
-            </a:r>
-            <a:r>
-              <a:rPr lang="en-US" baseline="0" dirty="0" smtClean="0"/>
-              <a:t> to acknowledge what you don’t know</a:t>
-            </a:r>
-          </a:p>
-          <a:p>
-            <a:r>
-              <a:rPr lang="en-US" baseline="0" dirty="0" smtClean="0"/>
-              <a:t>Push the edge</a:t>
-            </a:r>
-            <a:endParaRPr lang="en-US" dirty="0" smtClean="0"/>
-          </a:p>
-          <a:p>
-            <a:r>
-              <a:rPr lang="en-US" dirty="0" smtClean="0"/>
-              <a:t>Immerse yourself in the context of the problem</a:t>
-            </a:r>
-          </a:p>
-          <a:p>
-            <a:r>
-              <a:rPr lang="en-US" dirty="0" smtClean="0"/>
-              <a:t>Learn the state of the art theories, but don’t assume they are all correct</a:t>
-            </a:r>
-          </a:p>
-          <a:p>
-            <a:r>
-              <a:rPr lang="en-US" dirty="0" smtClean="0"/>
-              <a:t>Identify the constraints that are preventing advance in an attribute that is important, then break the rules</a:t>
-            </a:r>
-          </a:p>
-          <a:p>
-            <a:r>
-              <a:rPr lang="en-US" dirty="0" smtClean="0"/>
-              <a:t>Beware of places where authors say “it is well known that….” or “standard practice for many years has been…”</a:t>
-            </a:r>
-          </a:p>
-          <a:p>
-            <a:endParaRPr lang="en-US" dirty="0"/>
-          </a:p>
-        </p:txBody>
-      </p:sp>
-      <p:sp>
-        <p:nvSpPr>
-          <p:cNvPr id="4" name="Slide Number Placeholder 3"/>
-          <p:cNvSpPr>
-            <a:spLocks noGrp="1"/>
-          </p:cNvSpPr>
-          <p:nvPr>
-            <p:ph type="sldNum" sz="quarter" idx="10"/>
-          </p:nvPr>
-        </p:nvSpPr>
-        <p:spPr/>
-        <p:txBody>
-          <a:bodyPr/>
-          <a:lstStyle/>
-          <a:p>
-            <a:fld id="{68131A24-38D8-4CC5-9E6E-A126B09286EB}" type="slidenum">
+            <a:fld id="{10DE02E4-A158-45AA-B5D0-F76AD53DDB06}" type="slidenum">
               <a:rPr lang="en-US" smtClean="0"/>
               <a:pPr/>
-              <a:t>20</a:t>
+              <a:t>16</a:t>
             </a:fld>
             <a:endParaRPr lang="en-US"/>
           </a:p>
         </p:txBody>
       </p:sp>
     </p:spTree>
-    <p:extLst>
-      <p:ext uri="{BB962C8B-B14F-4D97-AF65-F5344CB8AC3E}">
-        <p14:creationId xmlns:p14="http://schemas.microsoft.com/office/powerpoint/2010/main" val="1360900344"/>
-      </p:ext>
-    </p:extLst>
   </p:cSld>
   <p:clrMapOvr>
     <a:masterClrMapping/>
@@ -1470,6 +1402,146 @@
           <a:p>
             <a:r>
               <a:rPr lang="en-US" dirty="0" smtClean="0"/>
+              <a:t>Assemble a team!</a:t>
+            </a:r>
+          </a:p>
+          <a:p>
+            <a:r>
+              <a:rPr lang="en-US" dirty="0" smtClean="0"/>
+              <a:t>Humility</a:t>
+            </a:r>
+            <a:r>
+              <a:rPr lang="en-US" baseline="0" dirty="0" smtClean="0"/>
+              <a:t> to acknowledge what you don’t know</a:t>
+            </a:r>
+          </a:p>
+          <a:p>
+            <a:r>
+              <a:rPr lang="en-US" baseline="0" dirty="0" smtClean="0"/>
+              <a:t>Push the edge</a:t>
+            </a:r>
+            <a:endParaRPr lang="en-US" dirty="0" smtClean="0"/>
+          </a:p>
+          <a:p>
+            <a:r>
+              <a:rPr lang="en-US" dirty="0" smtClean="0"/>
+              <a:t>Immerse yourself in the context of the problem</a:t>
+            </a:r>
+          </a:p>
+          <a:p>
+            <a:r>
+              <a:rPr lang="en-US" dirty="0" smtClean="0"/>
+              <a:t>Learn the state of the art theories, but don’t assume they are all correct</a:t>
+            </a:r>
+          </a:p>
+          <a:p>
+            <a:r>
+              <a:rPr lang="en-US" dirty="0" smtClean="0"/>
+              <a:t>Identify the constraints that are preventing advance in an attribute that is important, then break the rules</a:t>
+            </a:r>
+          </a:p>
+          <a:p>
+            <a:r>
+              <a:rPr lang="en-US" dirty="0" smtClean="0"/>
+              <a:t>Beware of places where authors say “it is well known that….” or “standard practice for many years has been…”</a:t>
+            </a:r>
+          </a:p>
+          <a:p>
+            <a:endParaRPr lang="en-US" dirty="0"/>
+          </a:p>
+        </p:txBody>
+      </p:sp>
+      <p:sp>
+        <p:nvSpPr>
+          <p:cNvPr id="4" name="Slide Number Placeholder 3"/>
+          <p:cNvSpPr>
+            <a:spLocks noGrp="1"/>
+          </p:cNvSpPr>
+          <p:nvPr>
+            <p:ph type="sldNum" sz="quarter" idx="10"/>
+          </p:nvPr>
+        </p:nvSpPr>
+        <p:spPr>
+          <a:xfrm>
+            <a:off x="3884613" y="8831263"/>
+            <a:ext cx="2971800" cy="463550"/>
+          </a:xfrm>
+          <a:prstGeom prst="rect">
+            <a:avLst/>
+          </a:prstGeom>
+        </p:spPr>
+        <p:txBody>
+          <a:bodyPr/>
+          <a:lstStyle/>
+          <a:p>
+            <a:fld id="{68131A24-38D8-4CC5-9E6E-A126B09286EB}" type="slidenum">
+              <a:rPr lang="en-US" smtClean="0"/>
+              <a:pPr/>
+              <a:t>20</a:t>
+            </a:fld>
+            <a:endParaRPr lang="en-US"/>
+          </a:p>
+        </p:txBody>
+      </p:sp>
+    </p:spTree>
+    <p:extLst>
+      <p:ext uri="{BB962C8B-B14F-4D97-AF65-F5344CB8AC3E}">
+        <p14:creationId xmlns:p14="http://schemas.microsoft.com/office/powerpoint/2010/main" val="1360900344"/>
+      </p:ext>
+    </p:extLst>
+  </p:cSld>
+  <p:clrMapOvr>
+    <a:masterClrMapping/>
+  </p:clrMapOvr>
+</p:notes>
+</file>
+
+<file path=ppt/notesSlides/notesSlide6.xml><?xml version="1.0" encoding="utf-8"?>
+<p:notes xmlns:a="http://schemas.openxmlformats.org/drawingml/2006/main" xmlns:r="http://schemas.openxmlformats.org/officeDocument/2006/relationships" xmlns:p="http://schemas.openxmlformats.org/presentationml/2006/main">
+  <p:cSld>
+    <p:spTree>
+      <p:nvGrpSpPr>
+        <p:cNvPr id="1" name=""/>
+        <p:cNvGrpSpPr/>
+        <p:nvPr/>
+      </p:nvGrpSpPr>
+      <p:grpSpPr>
+        <a:xfrm>
+          <a:off x="0" y="0"/>
+          <a:ext cx="0" cy="0"/>
+          <a:chOff x="0" y="0"/>
+          <a:chExt cx="0" cy="0"/>
+        </a:xfrm>
+      </p:grpSpPr>
+      <p:sp>
+        <p:nvSpPr>
+          <p:cNvPr id="2" name="Slide Image Placeholder 1"/>
+          <p:cNvSpPr>
+            <a:spLocks noGrp="1" noRot="1" noChangeAspect="1"/>
+          </p:cNvSpPr>
+          <p:nvPr>
+            <p:ph type="sldImg"/>
+          </p:nvPr>
+        </p:nvSpPr>
+        <p:spPr/>
+      </p:sp>
+      <p:sp>
+        <p:nvSpPr>
+          <p:cNvPr id="3" name="Notes Placeholder 2"/>
+          <p:cNvSpPr>
+            <a:spLocks noGrp="1"/>
+          </p:cNvSpPr>
+          <p:nvPr>
+            <p:ph type="body" idx="1"/>
+          </p:nvPr>
+        </p:nvSpPr>
+        <p:spPr/>
+        <p:txBody>
+          <a:bodyPr/>
+          <a:lstStyle/>
+          <a:p>
+            <a:r>
+              <a:rPr lang="en-US" dirty="0" smtClean="0"/>
               <a:t>(levers or pulleys)</a:t>
             </a:r>
             <a:endParaRPr lang="en-US" dirty="0"/>
@@ -1486,7 +1558,15 @@
             <p:ph type="sldNum" sz="quarter" idx="10"/>
           </p:nvPr>
         </p:nvSpPr>
-        <p:spPr/>
+        <p:spPr>
+          <a:xfrm>
+            <a:off x="3884613" y="8831263"/>
+            <a:ext cx="2971800" cy="463550"/>
+          </a:xfrm>
+          <a:prstGeom prst="rect">
+            <a:avLst/>
+          </a:prstGeom>
+        </p:spPr>
         <p:txBody>
           <a:bodyPr/>
           <a:lstStyle/>
@@ -3689,18 +3769,9 @@
           <a:p>
             <a:r>
               <a:rPr lang="en-US" dirty="0" smtClean="0">
-                <a:hlinkClick r:id="rId2" action="ppaction://hlinksldjump"/>
+                <a:hlinkClick r:id="rId3" action="ppaction://hlinksldjump"/>
               </a:rPr>
               <a:t>Motivation</a:t>
-            </a:r>
-            <a:endParaRPr lang="en-US" dirty="0" smtClean="0"/>
-          </a:p>
-          <a:p>
-            <a:r>
-              <a:rPr lang="en-US" dirty="0" smtClean="0">
-                <a:hlinkClick r:id="rId3" action="ppaction://hlinksldjump"/>
-              </a:rPr>
-              <a:t>Capstone Ideas</a:t>
             </a:r>
             <a:endParaRPr lang="en-US" dirty="0" smtClean="0"/>
           </a:p>
@@ -3709,7 +3780,7 @@
               <a:rPr lang="en-US" dirty="0" smtClean="0">
                 <a:hlinkClick r:id="rId4" action="ppaction://hlinksldjump"/>
               </a:rPr>
-              <a:t>Short Walk to the Edge of Knowledge</a:t>
+              <a:t>Capstone Ideas</a:t>
             </a:r>
             <a:endParaRPr lang="en-US" dirty="0" smtClean="0"/>
           </a:p>
@@ -3718,7 +3789,7 @@
               <a:rPr lang="en-US" dirty="0" smtClean="0">
                 <a:hlinkClick r:id="rId5" action="ppaction://hlinksldjump"/>
               </a:rPr>
-              <a:t>Evolution vs Big Leaps</a:t>
+              <a:t>Short Walk to the Edge of Knowledge</a:t>
             </a:r>
             <a:endParaRPr lang="en-US" dirty="0" smtClean="0"/>
           </a:p>
@@ -3727,7 +3798,7 @@
               <a:rPr lang="en-US" dirty="0" smtClean="0">
                 <a:hlinkClick r:id="rId6" action="ppaction://hlinksldjump"/>
               </a:rPr>
-              <a:t>Context powers Innovation</a:t>
+              <a:t>Evolution vs Big Leaps</a:t>
             </a:r>
             <a:endParaRPr lang="en-US" dirty="0" smtClean="0"/>
           </a:p>
@@ -3736,18 +3807,27 @@
               <a:rPr lang="en-US" dirty="0" smtClean="0">
                 <a:hlinkClick r:id="rId7" action="ppaction://hlinksldjump"/>
               </a:rPr>
-              <a:t>Diverse network – be a node</a:t>
-            </a:r>
-            <a:r>
-              <a:rPr lang="en-US" dirty="0" smtClean="0"/>
-              <a:t>!</a:t>
-            </a:r>
+              <a:t>Context powers Innovation</a:t>
+            </a:r>
+            <a:endParaRPr lang="en-US" dirty="0" smtClean="0"/>
           </a:p>
           <a:p>
             <a:r>
               <a:rPr lang="en-US" dirty="0" smtClean="0">
                 <a:hlinkClick r:id="rId8" action="ppaction://hlinksldjump"/>
               </a:rPr>
+              <a:t>Diverse network – be a node</a:t>
+            </a:r>
+            <a:r>
+              <a:rPr lang="en-US" dirty="0" smtClean="0"/>
+              <a:t>!</a:t>
+            </a:r>
+          </a:p>
+          <a:p>
+            <a:r>
+              <a:rPr lang="en-US" dirty="0" smtClean="0">
+                <a:hlinkClick r:id="rId9" action="ppaction://hlinksldjump"/>
+              </a:rPr>
               <a:t>Mass production</a:t>
             </a:r>
             <a:endParaRPr lang="en-US" dirty="0" smtClean="0"/>
@@ -3763,7 +3843,7 @@
             </a:r>
             <a:r>
               <a:rPr lang="en-US" dirty="0">
-                <a:hlinkClick r:id="rId9" action="ppaction://hlinksldjump"/>
+                <a:hlinkClick r:id="rId10" action="ppaction://hlinksldjump"/>
               </a:rPr>
               <a:t>jigs</a:t>
             </a:r>
@@ -3779,7 +3859,7 @@
           <a:p>
             <a:r>
               <a:rPr lang="en-US" dirty="0" smtClean="0">
-                <a:hlinkClick r:id="rId10" action="ppaction://hlinksldjump"/>
+                <a:hlinkClick r:id="rId11" action="ppaction://hlinksldjump"/>
               </a:rPr>
               <a:t>The best designers</a:t>
             </a:r>
@@ -6458,11 +6538,7 @@
           <a:p>
             <a:r>
               <a:rPr lang="en-US" sz="2400" dirty="0" smtClean="0"/>
-              <a:t>Engineered Parametric Drawing (given flow rate it can draw a municipal water treatment plant</a:t>
-            </a:r>
-            <a:r>
-              <a:rPr lang="en-US" sz="2400" dirty="0" smtClean="0"/>
-              <a:t>)</a:t>
+              <a:t>Engineered Parametric Drawing (given flow rate it can draw a municipal water treatment plant)</a:t>
             </a:r>
           </a:p>
           <a:p>
@@ -6474,7 +6550,6 @@
               <a:rPr lang="en-US" sz="2400" dirty="0" smtClean="0"/>
               <a:t>!</a:t>
             </a:r>
-            <a:endParaRPr lang="en-US" sz="2400" dirty="0" smtClean="0"/>
           </a:p>
           <a:p>
             <a:endParaRPr lang="en-US" sz="2400" dirty="0" smtClean="0"/>
@@ -6729,11 +6804,7 @@
           <a:p>
             <a:r>
               <a:rPr lang="en-US" dirty="0" smtClean="0"/>
-              <a:t>What will motivate you to get up and go to work every weekday morning</a:t>
-            </a:r>
-            <a:r>
-              <a:rPr lang="en-US" dirty="0" smtClean="0"/>
-              <a:t>?</a:t>
+              <a:t>What will motivate you to get up and go to work every weekday morning?</a:t>
             </a:r>
           </a:p>
           <a:p>
@@ -6741,7 +6812,6 @@
               <a:rPr lang="en-US" dirty="0" smtClean="0"/>
               <a:t>What kind of capstone design project do you want to do?</a:t>
             </a:r>
-            <a:endParaRPr lang="en-US" dirty="0" smtClean="0"/>
           </a:p>
         </p:txBody>
       </p:sp>
@@ -8713,11 +8783,7 @@
           <a:p>
             <a:r>
               <a:rPr lang="en-US" dirty="0" smtClean="0"/>
-              <a:t>Don’t assume a constraint is set in </a:t>
-            </a:r>
-            <a:r>
-              <a:rPr lang="en-US" dirty="0" smtClean="0"/>
-              <a:t>stone</a:t>
+              <a:t>Don’t assume a constraint is set in stone</a:t>
             </a:r>
           </a:p>
           <a:p>
@@ -8726,7 +8792,6 @@
               <a:rPr lang="en-US" dirty="0" smtClean="0"/>
               <a:t>Exploring options quickly – fail fast!</a:t>
             </a:r>
-            <a:endParaRPr lang="en-US" dirty="0" smtClean="0"/>
           </a:p>
           <a:p>
             <a:endParaRPr lang="en-US" dirty="0"/>
@@ -8785,11 +8850,7 @@
           <a:p>
             <a:r>
               <a:rPr lang="en-US" dirty="0" smtClean="0"/>
-              <a:t>…create </a:t>
-            </a:r>
-            <a:r>
-              <a:rPr lang="en-US" dirty="0" smtClean="0"/>
-              <a:t>with geometry</a:t>
+              <a:t>…create with geometry</a:t>
             </a:r>
             <a:endParaRPr lang="en-US" dirty="0"/>
           </a:p>
@@ -8916,11 +8977,7 @@
           <a:p>
             <a:r>
               <a:rPr lang="en-US" dirty="0" smtClean="0"/>
-              <a:t>…use </a:t>
-            </a:r>
-            <a:r>
-              <a:rPr lang="en-US" dirty="0" smtClean="0"/>
-              <a:t>tools</a:t>
+              <a:t>…use tools</a:t>
             </a:r>
             <a:endParaRPr lang="en-US" dirty="0"/>
           </a:p>
@@ -9015,11 +9072,7 @@
           <a:p>
             <a:r>
               <a:rPr lang="en-US" dirty="0" smtClean="0"/>
-              <a:t>…write </a:t>
-            </a:r>
-            <a:r>
-              <a:rPr lang="en-US" dirty="0" smtClean="0"/>
-              <a:t>in </a:t>
+              <a:t>…write in </a:t>
             </a:r>
             <a:r>
               <a:rPr lang="en-US" dirty="0" err="1" smtClean="0"/>
@@ -9056,32 +9109,19 @@
           <a:p>
             <a:r>
               <a:rPr lang="en-US" dirty="0" smtClean="0"/>
-              <a:t>Include </a:t>
-            </a:r>
-            <a:r>
-              <a:rPr lang="en-US" dirty="0" smtClean="0"/>
-              <a:t>sketches, equations, comparisons</a:t>
-            </a:r>
-            <a:endParaRPr lang="en-US" dirty="0" smtClean="0"/>
-          </a:p>
-          <a:p>
-            <a:r>
-              <a:rPr lang="en-US" dirty="0" smtClean="0"/>
-              <a:t>Spell </a:t>
-            </a:r>
-            <a:r>
-              <a:rPr lang="en-US" dirty="0" smtClean="0"/>
-              <a:t>check</a:t>
-            </a:r>
-          </a:p>
-          <a:p>
-            <a:r>
-              <a:rPr lang="en-US" dirty="0" smtClean="0"/>
-              <a:t>Make sure someone from your team proofreads the entire document before </a:t>
-            </a:r>
-            <a:r>
-              <a:rPr lang="en-US" dirty="0" smtClean="0"/>
-              <a:t>submission</a:t>
+              <a:t>Include sketches, equations, comparisons</a:t>
+            </a:r>
+          </a:p>
+          <a:p>
+            <a:r>
+              <a:rPr lang="en-US" dirty="0" smtClean="0"/>
+              <a:t>Spell check</a:t>
+            </a:r>
+          </a:p>
+          <a:p>
+            <a:r>
+              <a:rPr lang="en-US" dirty="0" smtClean="0"/>
+              <a:t>Make sure someone from your team proofreads the entire document before submission</a:t>
             </a:r>
           </a:p>
           <a:p>
@@ -9097,7 +9137,6 @@
               <a:rPr lang="en-US" dirty="0" smtClean="0"/>
               <a:t>layout</a:t>
             </a:r>
-            <a:endParaRPr lang="en-US" dirty="0" smtClean="0"/>
           </a:p>
           <a:p>
             <a:endParaRPr lang="en-US" dirty="0"/>
@@ -9156,11 +9195,7 @@
           <a:p>
             <a:r>
               <a:rPr lang="en-US" dirty="0" smtClean="0"/>
-              <a:t>Previous Capstone </a:t>
-            </a:r>
-            <a:r>
-              <a:rPr lang="en-US" dirty="0" smtClean="0"/>
-              <a:t>Ideas</a:t>
+              <a:t>Previous Capstone Ideas</a:t>
             </a:r>
             <a:endParaRPr lang="en-US" dirty="0"/>
           </a:p>
@@ -9320,11 +9355,7 @@
           <a:p>
             <a:r>
               <a:rPr lang="en-US" dirty="0" smtClean="0"/>
-              <a:t>3 New </a:t>
-            </a:r>
-            <a:r>
-              <a:rPr lang="en-US" dirty="0" smtClean="0"/>
-              <a:t>initiatives</a:t>
+              <a:t>3 New initiatives</a:t>
             </a:r>
             <a:endParaRPr lang="en-US" dirty="0"/>
           </a:p>
@@ -9349,7 +9380,6 @@
               <a:rPr lang="en-US" sz="2800" dirty="0" smtClean="0"/>
               <a:t>Create a plan to provide safe water to small communities in </a:t>
             </a:r>
-            <a:endParaRPr lang="en-US" sz="2800" dirty="0" smtClean="0"/>
           </a:p>
           <a:p>
             <a:pPr lvl="1"/>
@@ -9931,11 +9961,7 @@
           <a:p>
             <a:r>
               <a:rPr lang="en-US" dirty="0" smtClean="0"/>
-              <a:t>Dramatic </a:t>
-            </a:r>
-            <a:r>
-              <a:rPr lang="en-US" dirty="0" smtClean="0"/>
-              <a:t>changes in design targets (</a:t>
+              <a:t>Dramatic changes in design targets (</a:t>
             </a:r>
             <a:r>
               <a:rPr lang="en-US" dirty="0" err="1" smtClean="0"/>
@@ -9993,7 +10019,6 @@
               <a:rPr lang="en-US" dirty="0" smtClean="0"/>
               <a:t>Try extreme conditions and learn what fails or perhaps find unexpected success!</a:t>
             </a:r>
-            <a:endParaRPr lang="en-US" dirty="0" smtClean="0"/>
           </a:p>
         </p:txBody>
       </p:sp>
@@ -10089,15 +10114,7 @@
           <a:p>
             <a:r>
               <a:rPr lang="en-US" dirty="0" smtClean="0"/>
-              <a:t>Then </a:t>
-            </a:r>
-            <a:r>
-              <a:rPr lang="en-US" dirty="0" smtClean="0"/>
-              <a:t>question </a:t>
-            </a:r>
-            <a:r>
-              <a:rPr lang="en-US" dirty="0" smtClean="0"/>
-              <a:t>it all and proceed to Invent</a:t>
+              <a:t>Then question it all and proceed to Invent</a:t>
             </a:r>
             <a:endParaRPr lang="en-US" dirty="0"/>
           </a:p>

--- a/Lectures/In Class/Design Reflections.pptx
+++ b/Lectures/In Class/Design Reflections.pptx
@@ -5,54 +5,50 @@
     <p:sldMasterId id="2147483870" r:id="rId1"/>
   </p:sldMasterIdLst>
   <p:notesMasterIdLst>
-    <p:notesMasterId r:id="rId30"/>
+    <p:notesMasterId r:id="rId26"/>
   </p:notesMasterIdLst>
   <p:handoutMasterIdLst>
-    <p:handoutMasterId r:id="rId31"/>
+    <p:handoutMasterId r:id="rId27"/>
   </p:handoutMasterIdLst>
   <p:sldIdLst>
     <p:sldId id="319" r:id="rId2"/>
     <p:sldId id="278" r:id="rId3"/>
     <p:sldId id="298" r:id="rId4"/>
-    <p:sldId id="316" r:id="rId5"/>
-    <p:sldId id="318" r:id="rId6"/>
-    <p:sldId id="317" r:id="rId7"/>
-    <p:sldId id="279" r:id="rId8"/>
-    <p:sldId id="292" r:id="rId9"/>
-    <p:sldId id="280" r:id="rId10"/>
-    <p:sldId id="296" r:id="rId11"/>
-    <p:sldId id="281" r:id="rId12"/>
-    <p:sldId id="282" r:id="rId13"/>
-    <p:sldId id="283" r:id="rId14"/>
-    <p:sldId id="284" r:id="rId15"/>
-    <p:sldId id="285" r:id="rId16"/>
-    <p:sldId id="286" r:id="rId17"/>
-    <p:sldId id="287" r:id="rId18"/>
-    <p:sldId id="288" r:id="rId19"/>
-    <p:sldId id="289" r:id="rId20"/>
-    <p:sldId id="294" r:id="rId21"/>
-    <p:sldId id="257" r:id="rId22"/>
-    <p:sldId id="295" r:id="rId23"/>
-    <p:sldId id="266" r:id="rId24"/>
-    <p:sldId id="277" r:id="rId25"/>
-    <p:sldId id="268" r:id="rId26"/>
-    <p:sldId id="258" r:id="rId27"/>
-    <p:sldId id="269" r:id="rId28"/>
-    <p:sldId id="270" r:id="rId29"/>
+    <p:sldId id="279" r:id="rId5"/>
+    <p:sldId id="292" r:id="rId6"/>
+    <p:sldId id="280" r:id="rId7"/>
+    <p:sldId id="296" r:id="rId8"/>
+    <p:sldId id="281" r:id="rId9"/>
+    <p:sldId id="282" r:id="rId10"/>
+    <p:sldId id="283" r:id="rId11"/>
+    <p:sldId id="285" r:id="rId12"/>
+    <p:sldId id="286" r:id="rId13"/>
+    <p:sldId id="287" r:id="rId14"/>
+    <p:sldId id="288" r:id="rId15"/>
+    <p:sldId id="289" r:id="rId16"/>
+    <p:sldId id="294" r:id="rId17"/>
+    <p:sldId id="257" r:id="rId18"/>
+    <p:sldId id="295" r:id="rId19"/>
+    <p:sldId id="266" r:id="rId20"/>
+    <p:sldId id="277" r:id="rId21"/>
+    <p:sldId id="268" r:id="rId22"/>
+    <p:sldId id="258" r:id="rId23"/>
+    <p:sldId id="269" r:id="rId24"/>
+    <p:sldId id="270" r:id="rId25"/>
   </p:sldIdLst>
   <p:sldSz cx="9144000" cy="6858000" type="screen4x3"/>
   <p:notesSz cx="6858000" cy="9296400"/>
   <p:embeddedFontLst>
     <p:embeddedFont>
       <p:font typeface="Candara" panose="020E0502030303020204" pitchFamily="34" charset="0"/>
-      <p:regular r:id="rId32"/>
-      <p:bold r:id="rId33"/>
-      <p:italic r:id="rId34"/>
-      <p:boldItalic r:id="rId35"/>
+      <p:regular r:id="rId28"/>
+      <p:bold r:id="rId29"/>
+      <p:italic r:id="rId30"/>
+      <p:boldItalic r:id="rId31"/>
     </p:embeddedFont>
     <p:embeddedFont>
       <p:font typeface="SimHei" panose="020B0604020202020204" charset="-122"/>
-      <p:regular r:id="rId36"/>
+      <p:regular r:id="rId32"/>
     </p:embeddedFont>
   </p:embeddedFontLst>
   <p:defaultTextStyle>
@@ -194,6 +190,9 @@
           </p15:clr>
         </p15:guide>
       </p15:sldGuideLst>
+    </p:ext>
+    <p:ext uri="{2D200454-40CA-4A62-9FC3-DE9A4176ACB9}">
+      <p15:notesGuideLst xmlns:p15="http://schemas.microsoft.com/office/powerpoint/2012/main"/>
     </p:ext>
   </p:extLst>
 </p:presentation>
@@ -1002,7 +1001,7 @@
             <a:fld id="{68131A24-38D8-4CC5-9E6E-A126B09286EB}" type="slidenum">
               <a:rPr lang="en-US" smtClean="0"/>
               <a:pPr/>
-              <a:t>7</a:t>
+              <a:t>4</a:t>
             </a:fld>
             <a:endParaRPr lang="en-US"/>
           </a:p>
@@ -1247,7 +1246,7 @@
             <a:fld id="{68131A24-38D8-4CC5-9E6E-A126B09286EB}" type="slidenum">
               <a:rPr lang="en-US" smtClean="0"/>
               <a:pPr/>
-              <a:t>8</a:t>
+              <a:t>5</a:t>
             </a:fld>
             <a:endParaRPr lang="en-US"/>
           </a:p>
@@ -1342,7 +1341,7 @@
             <a:fld id="{10DE02E4-A158-45AA-B5D0-F76AD53DDB06}" type="slidenum">
               <a:rPr lang="en-US" smtClean="0"/>
               <a:pPr/>
-              <a:t>16</a:t>
+              <a:t>12</a:t>
             </a:fld>
             <a:endParaRPr lang="en-US"/>
           </a:p>
@@ -1477,7 +1476,7 @@
             <a:fld id="{68131A24-38D8-4CC5-9E6E-A126B09286EB}" type="slidenum">
               <a:rPr lang="en-US" smtClean="0"/>
               <a:pPr/>
-              <a:t>20</a:t>
+              <a:t>16</a:t>
             </a:fld>
             <a:endParaRPr lang="en-US"/>
           </a:p>
@@ -1574,7 +1573,7 @@
             <a:fld id="{68131A24-38D8-4CC5-9E6E-A126B09286EB}" type="slidenum">
               <a:rPr lang="en-US" smtClean="0"/>
               <a:pPr/>
-              <a:t>26</a:t>
+              <a:t>22</a:t>
             </a:fld>
             <a:endParaRPr lang="en-US"/>
           </a:p>
@@ -3746,7 +3745,7 @@
           <a:p>
             <a:r>
               <a:rPr lang="en-US" dirty="0" smtClean="0"/>
-              <a:t>Capstone Invent</a:t>
+              <a:t>Invent</a:t>
             </a:r>
             <a:endParaRPr lang="en-US" dirty="0"/>
           </a:p>
@@ -3780,7 +3779,7 @@
               <a:rPr lang="en-US" dirty="0" smtClean="0">
                 <a:hlinkClick r:id="rId4" action="ppaction://hlinksldjump"/>
               </a:rPr>
-              <a:t>Capstone Ideas</a:t>
+              <a:t>Short Walk to the Edge of Knowledge</a:t>
             </a:r>
             <a:endParaRPr lang="en-US" dirty="0" smtClean="0"/>
           </a:p>
@@ -3789,7 +3788,7 @@
               <a:rPr lang="en-US" dirty="0" smtClean="0">
                 <a:hlinkClick r:id="rId5" action="ppaction://hlinksldjump"/>
               </a:rPr>
-              <a:t>Short Walk to the Edge of Knowledge</a:t>
+              <a:t>Evolution vs Big Leaps</a:t>
             </a:r>
             <a:endParaRPr lang="en-US" dirty="0" smtClean="0"/>
           </a:p>
@@ -3798,7 +3797,7 @@
               <a:rPr lang="en-US" dirty="0" smtClean="0">
                 <a:hlinkClick r:id="rId6" action="ppaction://hlinksldjump"/>
               </a:rPr>
-              <a:t>Evolution vs Big Leaps</a:t>
+              <a:t>Context powers Innovation</a:t>
             </a:r>
             <a:endParaRPr lang="en-US" dirty="0" smtClean="0"/>
           </a:p>
@@ -3807,44 +3806,35 @@
               <a:rPr lang="en-US" dirty="0" smtClean="0">
                 <a:hlinkClick r:id="rId7" action="ppaction://hlinksldjump"/>
               </a:rPr>
-              <a:t>Context powers Innovation</a:t>
-            </a:r>
-            <a:endParaRPr lang="en-US" dirty="0" smtClean="0"/>
+              <a:t>Diverse network – be a node</a:t>
+            </a:r>
+            <a:r>
+              <a:rPr lang="en-US" dirty="0" smtClean="0"/>
+              <a:t>!</a:t>
+            </a:r>
           </a:p>
           <a:p>
             <a:r>
               <a:rPr lang="en-US" dirty="0" smtClean="0">
                 <a:hlinkClick r:id="rId8" action="ppaction://hlinksldjump"/>
               </a:rPr>
-              <a:t>Diverse network – be a node</a:t>
-            </a:r>
-            <a:r>
-              <a:rPr lang="en-US" dirty="0" smtClean="0"/>
-              <a:t>!</a:t>
-            </a:r>
-          </a:p>
-          <a:p>
-            <a:r>
-              <a:rPr lang="en-US" dirty="0" smtClean="0">
+              <a:t>Mass production</a:t>
+            </a:r>
+            <a:endParaRPr lang="en-US" dirty="0" smtClean="0"/>
+          </a:p>
+          <a:p>
+            <a:r>
+              <a:rPr lang="en-US" dirty="0" smtClean="0"/>
+              <a:t>Tools build tools</a:t>
+            </a:r>
+            <a:r>
+              <a:rPr lang="en-US" dirty="0"/>
+              <a:t> (and </a:t>
+            </a:r>
+            <a:r>
+              <a:rPr lang="en-US" dirty="0">
                 <a:hlinkClick r:id="rId9" action="ppaction://hlinksldjump"/>
               </a:rPr>
-              <a:t>Mass production</a:t>
-            </a:r>
-            <a:endParaRPr lang="en-US" dirty="0" smtClean="0"/>
-          </a:p>
-          <a:p>
-            <a:r>
-              <a:rPr lang="en-US" dirty="0" smtClean="0"/>
-              <a:t>Tools build tools</a:t>
-            </a:r>
-            <a:r>
-              <a:rPr lang="en-US" dirty="0"/>
-              <a:t> (and </a:t>
-            </a:r>
-            <a:r>
-              <a:rPr lang="en-US" dirty="0">
-                <a:hlinkClick r:id="rId10" action="ppaction://hlinksldjump"/>
-              </a:rPr>
               <a:t>jigs</a:t>
             </a:r>
             <a:r>
@@ -3859,7 +3849,7 @@
           <a:p>
             <a:r>
               <a:rPr lang="en-US" dirty="0" smtClean="0">
-                <a:hlinkClick r:id="rId11" action="ppaction://hlinksldjump"/>
+                <a:hlinkClick r:id="rId10" action="ppaction://hlinksldjump"/>
               </a:rPr>
               <a:t>The best designers</a:t>
             </a:r>
@@ -3991,1311 +3981,6 @@
           <a:p>
             <a:r>
               <a:rPr lang="en-US" dirty="0" smtClean="0"/>
-              <a:t>Innovators Build Bridges between Networks</a:t>
-            </a:r>
-            <a:endParaRPr lang="en-US" dirty="0"/>
-          </a:p>
-        </p:txBody>
-      </p:sp>
-      <p:sp>
-        <p:nvSpPr>
-          <p:cNvPr id="3" name="Content Placeholder 2"/>
-          <p:cNvSpPr>
-            <a:spLocks noGrp="1"/>
-          </p:cNvSpPr>
-          <p:nvPr>
-            <p:ph idx="1"/>
-          </p:nvPr>
-        </p:nvSpPr>
-        <p:spPr/>
-        <p:txBody>
-          <a:bodyPr/>
-          <a:lstStyle/>
-          <a:p>
-            <a:r>
-              <a:rPr lang="en-US" dirty="0" smtClean="0"/>
-              <a:t>Make connections with completely different networks</a:t>
-            </a:r>
-          </a:p>
-          <a:p>
-            <a:pPr lvl="1"/>
-            <a:r>
-              <a:rPr lang="en-US" dirty="0" smtClean="0"/>
-              <a:t>Get outside your social class, your country, your business, your university</a:t>
-            </a:r>
-          </a:p>
-          <a:p>
-            <a:pPr lvl="1"/>
-            <a:r>
-              <a:rPr lang="en-US" dirty="0" smtClean="0"/>
-              <a:t>Get diverse experiences, take things apart, experiment, fail, </a:t>
-            </a:r>
-            <a:r>
-              <a:rPr lang="en-US" b="1" dirty="0" smtClean="0"/>
-              <a:t>observe…</a:t>
-            </a:r>
-          </a:p>
-          <a:p>
-            <a:r>
-              <a:rPr lang="en-US" b="1" dirty="0" smtClean="0"/>
-              <a:t>Flocculate Ideas!</a:t>
-            </a:r>
-          </a:p>
-          <a:p>
-            <a:r>
-              <a:rPr lang="en-US" b="1" dirty="0" smtClean="0"/>
-              <a:t>Be a node!</a:t>
-            </a:r>
-          </a:p>
-          <a:p>
-            <a:endParaRPr lang="en-US" dirty="0"/>
-          </a:p>
-        </p:txBody>
-      </p:sp>
-      <p:pic>
-        <p:nvPicPr>
-          <p:cNvPr id="1026" name="Picture 2" descr="Image result for nodes in a network"/>
-          <p:cNvPicPr>
-            <a:picLocks noChangeAspect="1" noChangeArrowheads="1"/>
-          </p:cNvPicPr>
-          <p:nvPr/>
-        </p:nvPicPr>
-        <p:blipFill>
-          <a:blip r:embed="rId2">
-            <a:extLst>
-              <a:ext uri="{28A0092B-C50C-407E-A947-70E740481C1C}">
-                <a14:useLocalDpi xmlns:a14="http://schemas.microsoft.com/office/drawing/2010/main" val="0"/>
-              </a:ext>
-            </a:extLst>
-          </a:blip>
-          <a:srcRect/>
-          <a:stretch>
-            <a:fillRect/>
-          </a:stretch>
-        </p:blipFill>
-        <p:spPr bwMode="auto">
-          <a:xfrm>
-            <a:off x="6210300" y="4000500"/>
-            <a:ext cx="2857500" cy="2857500"/>
-          </a:xfrm>
-          <a:prstGeom prst="rect">
-            <a:avLst/>
-          </a:prstGeom>
-          <a:noFill/>
-          <a:extLst>
-            <a:ext uri="{909E8E84-426E-40DD-AFC4-6F175D3DCCD1}">
-              <a14:hiddenFill xmlns:a14="http://schemas.microsoft.com/office/drawing/2010/main">
-                <a:solidFill>
-                  <a:srgbClr val="FFFFFF"/>
-                </a:solidFill>
-              </a14:hiddenFill>
-            </a:ext>
-          </a:extLst>
-        </p:spPr>
-      </p:pic>
-      <p:sp>
-        <p:nvSpPr>
-          <p:cNvPr id="4" name="Oval 3"/>
-          <p:cNvSpPr/>
-          <p:nvPr/>
-        </p:nvSpPr>
-        <p:spPr>
-          <a:xfrm>
-            <a:off x="7210425" y="5219699"/>
-            <a:ext cx="238125" cy="257175"/>
-          </a:xfrm>
-          <a:prstGeom prst="ellipse">
-            <a:avLst/>
-          </a:prstGeom>
-        </p:spPr>
-        <p:style>
-          <a:lnRef idx="2">
-            <a:schemeClr val="accent1">
-              <a:shade val="50000"/>
-            </a:schemeClr>
-          </a:lnRef>
-          <a:fillRef idx="1">
-            <a:schemeClr val="accent1"/>
-          </a:fillRef>
-          <a:effectRef idx="0">
-            <a:schemeClr val="accent1"/>
-          </a:effectRef>
-          <a:fontRef idx="minor">
-            <a:schemeClr val="lt1"/>
-          </a:fontRef>
-        </p:style>
-        <p:txBody>
-          <a:bodyPr rtlCol="0" anchor="ctr"/>
-          <a:lstStyle/>
-          <a:p>
-            <a:pPr algn="ctr"/>
-            <a:endParaRPr lang="en-US"/>
-          </a:p>
-        </p:txBody>
-      </p:sp>
-    </p:spTree>
-    <p:extLst>
-      <p:ext uri="{BB962C8B-B14F-4D97-AF65-F5344CB8AC3E}">
-        <p14:creationId xmlns:p14="http://schemas.microsoft.com/office/powerpoint/2010/main" val="1995786090"/>
-      </p:ext>
-    </p:extLst>
-  </p:cSld>
-  <p:clrMapOvr>
-    <a:masterClrMapping/>
-  </p:clrMapOvr>
-  <p:transition>
-    <p:fade/>
-  </p:transition>
-  <p:timing>
-    <p:tnLst>
-      <p:par>
-        <p:cTn id="1" dur="indefinite" restart="never" nodeType="tmRoot">
-          <p:childTnLst>
-            <p:seq concurrent="1" nextAc="seek">
-              <p:cTn id="2" dur="indefinite" nodeType="mainSeq">
-                <p:childTnLst>
-                  <p:par>
-                    <p:cTn id="3" fill="hold">
-                      <p:stCondLst>
-                        <p:cond delay="indefinite"/>
-                      </p:stCondLst>
-                      <p:childTnLst>
-                        <p:par>
-                          <p:cTn id="4" fill="hold">
-                            <p:stCondLst>
-                              <p:cond delay="0"/>
-                            </p:stCondLst>
-                            <p:childTnLst>
-                              <p:par>
-                                <p:cTn id="5" presetID="1" presetClass="entr" presetSubtype="0" fill="hold" grpId="0" nodeType="clickEffect">
-                                  <p:stCondLst>
-                                    <p:cond delay="0"/>
-                                  </p:stCondLst>
-                                  <p:childTnLst>
-                                    <p:set>
-                                      <p:cBhvr>
-                                        <p:cTn id="6" dur="1" fill="hold">
-                                          <p:stCondLst>
-                                            <p:cond delay="0"/>
-                                          </p:stCondLst>
-                                        </p:cTn>
-                                        <p:tgtEl>
-                                          <p:spTgt spid="3">
-                                            <p:txEl>
-                                              <p:pRg st="0" end="0"/>
-                                            </p:txEl>
-                                          </p:spTgt>
-                                        </p:tgtEl>
-                                        <p:attrNameLst>
-                                          <p:attrName>style.visibility</p:attrName>
-                                        </p:attrNameLst>
-                                      </p:cBhvr>
-                                      <p:to>
-                                        <p:strVal val="visible"/>
-                                      </p:to>
-                                    </p:set>
-                                  </p:childTnLst>
-                                </p:cTn>
-                              </p:par>
-                              <p:par>
-                                <p:cTn id="7" presetID="1" presetClass="entr" presetSubtype="0" fill="hold" grpId="0" nodeType="withEffect">
-                                  <p:stCondLst>
-                                    <p:cond delay="0"/>
-                                  </p:stCondLst>
-                                  <p:childTnLst>
-                                    <p:set>
-                                      <p:cBhvr>
-                                        <p:cTn id="8" dur="1" fill="hold">
-                                          <p:stCondLst>
-                                            <p:cond delay="0"/>
-                                          </p:stCondLst>
-                                        </p:cTn>
-                                        <p:tgtEl>
-                                          <p:spTgt spid="3">
-                                            <p:txEl>
-                                              <p:pRg st="1" end="1"/>
-                                            </p:txEl>
-                                          </p:spTgt>
-                                        </p:tgtEl>
-                                        <p:attrNameLst>
-                                          <p:attrName>style.visibility</p:attrName>
-                                        </p:attrNameLst>
-                                      </p:cBhvr>
-                                      <p:to>
-                                        <p:strVal val="visible"/>
-                                      </p:to>
-                                    </p:set>
-                                  </p:childTnLst>
-                                </p:cTn>
-                              </p:par>
-                              <p:par>
-                                <p:cTn id="9" presetID="1" presetClass="entr" presetSubtype="0" fill="hold" grpId="0" nodeType="withEffect">
-                                  <p:stCondLst>
-                                    <p:cond delay="0"/>
-                                  </p:stCondLst>
-                                  <p:childTnLst>
-                                    <p:set>
-                                      <p:cBhvr>
-                                        <p:cTn id="10" dur="1" fill="hold">
-                                          <p:stCondLst>
-                                            <p:cond delay="0"/>
-                                          </p:stCondLst>
-                                        </p:cTn>
-                                        <p:tgtEl>
-                                          <p:spTgt spid="3">
-                                            <p:txEl>
-                                              <p:pRg st="2" end="2"/>
-                                            </p:txEl>
-                                          </p:spTgt>
-                                        </p:tgtEl>
-                                        <p:attrNameLst>
-                                          <p:attrName>style.visibility</p:attrName>
-                                        </p:attrNameLst>
-                                      </p:cBhvr>
-                                      <p:to>
-                                        <p:strVal val="visible"/>
-                                      </p:to>
-                                    </p:set>
-                                  </p:childTnLst>
-                                </p:cTn>
-                              </p:par>
-                            </p:childTnLst>
-                          </p:cTn>
-                        </p:par>
-                      </p:childTnLst>
-                    </p:cTn>
-                  </p:par>
-                  <p:par>
-                    <p:cTn id="11" fill="hold">
-                      <p:stCondLst>
-                        <p:cond delay="indefinite"/>
-                      </p:stCondLst>
-                      <p:childTnLst>
-                        <p:par>
-                          <p:cTn id="12" fill="hold">
-                            <p:stCondLst>
-                              <p:cond delay="0"/>
-                            </p:stCondLst>
-                            <p:childTnLst>
-                              <p:par>
-                                <p:cTn id="13" presetID="1" presetClass="entr" presetSubtype="0" fill="hold" grpId="0" nodeType="clickEffect">
-                                  <p:stCondLst>
-                                    <p:cond delay="0"/>
-                                  </p:stCondLst>
-                                  <p:childTnLst>
-                                    <p:set>
-                                      <p:cBhvr>
-                                        <p:cTn id="14" dur="1" fill="hold">
-                                          <p:stCondLst>
-                                            <p:cond delay="0"/>
-                                          </p:stCondLst>
-                                        </p:cTn>
-                                        <p:tgtEl>
-                                          <p:spTgt spid="3">
-                                            <p:txEl>
-                                              <p:pRg st="3" end="3"/>
-                                            </p:txEl>
-                                          </p:spTgt>
-                                        </p:tgtEl>
-                                        <p:attrNameLst>
-                                          <p:attrName>style.visibility</p:attrName>
-                                        </p:attrNameLst>
-                                      </p:cBhvr>
-                                      <p:to>
-                                        <p:strVal val="visible"/>
-                                      </p:to>
-                                    </p:set>
-                                  </p:childTnLst>
-                                </p:cTn>
-                              </p:par>
-                            </p:childTnLst>
-                          </p:cTn>
-                        </p:par>
-                      </p:childTnLst>
-                    </p:cTn>
-                  </p:par>
-                  <p:par>
-                    <p:cTn id="15" fill="hold">
-                      <p:stCondLst>
-                        <p:cond delay="indefinite"/>
-                      </p:stCondLst>
-                      <p:childTnLst>
-                        <p:par>
-                          <p:cTn id="16" fill="hold">
-                            <p:stCondLst>
-                              <p:cond delay="0"/>
-                            </p:stCondLst>
-                            <p:childTnLst>
-                              <p:par>
-                                <p:cTn id="17" presetID="1" presetClass="entr" presetSubtype="0" fill="hold" grpId="0" nodeType="clickEffect">
-                                  <p:stCondLst>
-                                    <p:cond delay="0"/>
-                                  </p:stCondLst>
-                                  <p:childTnLst>
-                                    <p:set>
-                                      <p:cBhvr>
-                                        <p:cTn id="18" dur="1" fill="hold">
-                                          <p:stCondLst>
-                                            <p:cond delay="0"/>
-                                          </p:stCondLst>
-                                        </p:cTn>
-                                        <p:tgtEl>
-                                          <p:spTgt spid="3">
-                                            <p:txEl>
-                                              <p:pRg st="4" end="4"/>
-                                            </p:txEl>
-                                          </p:spTgt>
-                                        </p:tgtEl>
-                                        <p:attrNameLst>
-                                          <p:attrName>style.visibility</p:attrName>
-                                        </p:attrNameLst>
-                                      </p:cBhvr>
-                                      <p:to>
-                                        <p:strVal val="visible"/>
-                                      </p:to>
-                                    </p:set>
-                                  </p:childTnLst>
-                                </p:cTn>
-                              </p:par>
-                            </p:childTnLst>
-                          </p:cTn>
-                        </p:par>
-                      </p:childTnLst>
-                    </p:cTn>
-                  </p:par>
-                  <p:par>
-                    <p:cTn id="19" fill="hold">
-                      <p:stCondLst>
-                        <p:cond delay="indefinite"/>
-                      </p:stCondLst>
-                      <p:childTnLst>
-                        <p:par>
-                          <p:cTn id="20" fill="hold">
-                            <p:stCondLst>
-                              <p:cond delay="0"/>
-                            </p:stCondLst>
-                            <p:childTnLst>
-                              <p:par>
-                                <p:cTn id="21" presetID="1" presetClass="entr" presetSubtype="0" fill="hold" nodeType="clickEffect">
-                                  <p:stCondLst>
-                                    <p:cond delay="0"/>
-                                  </p:stCondLst>
-                                  <p:childTnLst>
-                                    <p:set>
-                                      <p:cBhvr>
-                                        <p:cTn id="22" dur="1" fill="hold">
-                                          <p:stCondLst>
-                                            <p:cond delay="0"/>
-                                          </p:stCondLst>
-                                        </p:cTn>
-                                        <p:tgtEl>
-                                          <p:spTgt spid="1026"/>
-                                        </p:tgtEl>
-                                        <p:attrNameLst>
-                                          <p:attrName>style.visibility</p:attrName>
-                                        </p:attrNameLst>
-                                      </p:cBhvr>
-                                      <p:to>
-                                        <p:strVal val="visible"/>
-                                      </p:to>
-                                    </p:set>
-                                  </p:childTnLst>
-                                </p:cTn>
-                              </p:par>
-                            </p:childTnLst>
-                          </p:cTn>
-                        </p:par>
-                      </p:childTnLst>
-                    </p:cTn>
-                  </p:par>
-                  <p:par>
-                    <p:cTn id="23" fill="hold">
-                      <p:stCondLst>
-                        <p:cond delay="indefinite"/>
-                      </p:stCondLst>
-                      <p:childTnLst>
-                        <p:par>
-                          <p:cTn id="24" fill="hold">
-                            <p:stCondLst>
-                              <p:cond delay="0"/>
-                            </p:stCondLst>
-                            <p:childTnLst>
-                              <p:par>
-                                <p:cTn id="25" presetID="1" presetClass="entr" presetSubtype="0" fill="hold" grpId="0" nodeType="clickEffect">
-                                  <p:stCondLst>
-                                    <p:cond delay="0"/>
-                                  </p:stCondLst>
-                                  <p:childTnLst>
-                                    <p:set>
-                                      <p:cBhvr>
-                                        <p:cTn id="26" dur="1" fill="hold">
-                                          <p:stCondLst>
-                                            <p:cond delay="0"/>
-                                          </p:stCondLst>
-                                        </p:cTn>
-                                        <p:tgtEl>
-                                          <p:spTgt spid="4"/>
-                                        </p:tgtEl>
-                                        <p:attrNameLst>
-                                          <p:attrName>style.visibility</p:attrName>
-                                        </p:attrNameLst>
-                                      </p:cBhvr>
-                                      <p:to>
-                                        <p:strVal val="visible"/>
-                                      </p:to>
-                                    </p:set>
-                                  </p:childTnLst>
-                                </p:cTn>
-                              </p:par>
-                            </p:childTnLst>
-                          </p:cTn>
-                        </p:par>
-                      </p:childTnLst>
-                    </p:cTn>
-                  </p:par>
-                </p:childTnLst>
-              </p:cTn>
-              <p:prevCondLst>
-                <p:cond evt="onPrev" delay="0">
-                  <p:tgtEl>
-                    <p:sldTgt/>
-                  </p:tgtEl>
-                </p:cond>
-              </p:prevCondLst>
-              <p:nextCondLst>
-                <p:cond evt="onNext" delay="0">
-                  <p:tgtEl>
-                    <p:sldTgt/>
-                  </p:tgtEl>
-                </p:cond>
-              </p:nextCondLst>
-            </p:seq>
-          </p:childTnLst>
-        </p:cTn>
-      </p:par>
-    </p:tnLst>
-    <p:bldLst>
-      <p:bldP spid="3" grpId="0" uiExpand="1" build="p"/>
-      <p:bldP spid="4" grpId="0" animBg="1"/>
-    </p:bldLst>
-  </p:timing>
-</p:sld>
-</file>
-
-<file path=ppt/slides/slide11.xml><?xml version="1.0" encoding="utf-8"?>
-<p:sld xmlns:a="http://schemas.openxmlformats.org/drawingml/2006/main" xmlns:r="http://schemas.openxmlformats.org/officeDocument/2006/relationships" xmlns:p="http://schemas.openxmlformats.org/presentationml/2006/main">
-  <p:cSld>
-    <p:spTree>
-      <p:nvGrpSpPr>
-        <p:cNvPr id="1" name=""/>
-        <p:cNvGrpSpPr/>
-        <p:nvPr/>
-      </p:nvGrpSpPr>
-      <p:grpSpPr>
-        <a:xfrm>
-          <a:off x="0" y="0"/>
-          <a:ext cx="0" cy="0"/>
-          <a:chOff x="0" y="0"/>
-          <a:chExt cx="0" cy="0"/>
-        </a:xfrm>
-      </p:grpSpPr>
-      <p:sp>
-        <p:nvSpPr>
-          <p:cNvPr id="2" name="Title 1"/>
-          <p:cNvSpPr>
-            <a:spLocks noGrp="1"/>
-          </p:cNvSpPr>
-          <p:nvPr>
-            <p:ph type="title"/>
-          </p:nvPr>
-        </p:nvSpPr>
-        <p:spPr/>
-        <p:txBody>
-          <a:bodyPr/>
-          <a:lstStyle/>
-          <a:p>
-            <a:r>
-              <a:rPr lang="en-US" dirty="0" smtClean="0"/>
-              <a:t>Capstone Design</a:t>
-            </a:r>
-            <a:endParaRPr lang="en-US" dirty="0"/>
-          </a:p>
-        </p:txBody>
-      </p:sp>
-      <p:sp>
-        <p:nvSpPr>
-          <p:cNvPr id="3" name="Content Placeholder 2"/>
-          <p:cNvSpPr>
-            <a:spLocks noGrp="1"/>
-          </p:cNvSpPr>
-          <p:nvPr>
-            <p:ph idx="1"/>
-          </p:nvPr>
-        </p:nvSpPr>
-        <p:spPr/>
-        <p:txBody>
-          <a:bodyPr/>
-          <a:lstStyle/>
-          <a:p>
-            <a:r>
-              <a:rPr lang="en-US" dirty="0" smtClean="0"/>
-              <a:t>I am not asking you to design something that 100s of engineers have designed previously</a:t>
-            </a:r>
-          </a:p>
-          <a:p>
-            <a:r>
-              <a:rPr lang="en-US" dirty="0" smtClean="0"/>
-              <a:t>I am asking you to invent something new, something better than what currently exists</a:t>
-            </a:r>
-          </a:p>
-        </p:txBody>
-      </p:sp>
-      <p:sp>
-        <p:nvSpPr>
-          <p:cNvPr id="4" name="Rectangle 3"/>
-          <p:cNvSpPr/>
-          <p:nvPr/>
-        </p:nvSpPr>
-        <p:spPr bwMode="auto">
-          <a:xfrm>
-            <a:off x="4938576" y="230069"/>
-            <a:ext cx="2521114" cy="1032387"/>
-          </a:xfrm>
-          <a:prstGeom prst="rect">
-            <a:avLst/>
-          </a:prstGeom>
-          <a:solidFill>
-            <a:schemeClr val="bg1"/>
-          </a:solidFill>
-          <a:ln w="12700" cap="flat" cmpd="sng" algn="ctr">
-            <a:solidFill>
-              <a:schemeClr val="bg1"/>
-            </a:solidFill>
-            <a:prstDash val="solid"/>
-            <a:round/>
-            <a:headEnd type="none" w="lg" len="med"/>
-            <a:tailEnd type="none" w="lg" len="med"/>
-          </a:ln>
-          <a:effectLst/>
-        </p:spPr>
-        <p:txBody>
-          <a:bodyPr vert="horz" wrap="square" lIns="91440" tIns="45720" rIns="91440" bIns="45720" numCol="1" rtlCol="0" anchor="t" anchorCtr="0" compatLnSpc="1">
-            <a:prstTxWarp prst="textNoShape">
-              <a:avLst/>
-            </a:prstTxWarp>
-            <a:spAutoFit/>
-          </a:bodyPr>
-          <a:lstStyle/>
-          <a:p>
-            <a:pPr marL="0" marR="0" indent="0" algn="l" defTabSz="914400" rtl="0" eaLnBrk="0" fontAlgn="base" latinLnBrk="0" hangingPunct="0">
-              <a:lnSpc>
-                <a:spcPct val="100000"/>
-              </a:lnSpc>
-              <a:spcBef>
-                <a:spcPct val="50000"/>
-              </a:spcBef>
-              <a:spcAft>
-                <a:spcPct val="0"/>
-              </a:spcAft>
-              <a:buClrTx/>
-              <a:buSzTx/>
-              <a:buFontTx/>
-              <a:buNone/>
-              <a:tabLst/>
-            </a:pPr>
-            <a:endParaRPr kumimoji="0" lang="en-US" sz="2800" b="0" i="0" u="none" strike="noStrike" cap="none" normalizeH="0" baseline="0" smtClean="0">
-              <a:ln>
-                <a:noFill/>
-              </a:ln>
-              <a:solidFill>
-                <a:schemeClr val="tx1"/>
-              </a:solidFill>
-              <a:effectLst/>
-              <a:latin typeface="Times New Roman" pitchFamily="18" charset="0"/>
-            </a:endParaRPr>
-          </a:p>
-        </p:txBody>
-      </p:sp>
-      <p:sp>
-        <p:nvSpPr>
-          <p:cNvPr id="5" name="Rectangle 4"/>
-          <p:cNvSpPr/>
-          <p:nvPr/>
-        </p:nvSpPr>
-        <p:spPr>
-          <a:xfrm>
-            <a:off x="4958684" y="441259"/>
-            <a:ext cx="2501006" cy="769441"/>
-          </a:xfrm>
-          <a:prstGeom prst="rect">
-            <a:avLst/>
-          </a:prstGeom>
-        </p:spPr>
-        <p:txBody>
-          <a:bodyPr wrap="none">
-            <a:spAutoFit/>
-          </a:bodyPr>
-          <a:lstStyle/>
-          <a:p>
-            <a:r>
-              <a:rPr lang="en-US" sz="4400" b="1" kern="0" dirty="0" smtClean="0">
-                <a:solidFill>
-                  <a:schemeClr val="tx2"/>
-                </a:solidFill>
-                <a:latin typeface="+mj-lt"/>
-                <a:ea typeface="+mj-ea"/>
-                <a:cs typeface="+mj-cs"/>
-              </a:rPr>
-              <a:t>Invention</a:t>
-            </a:r>
-            <a:endParaRPr lang="en-US" b="1" dirty="0">
-              <a:solidFill>
-                <a:schemeClr val="tx2"/>
-              </a:solidFill>
-              <a:latin typeface="+mj-lt"/>
-            </a:endParaRPr>
-          </a:p>
-        </p:txBody>
-      </p:sp>
-    </p:spTree>
-    <p:extLst>
-      <p:ext uri="{BB962C8B-B14F-4D97-AF65-F5344CB8AC3E}">
-        <p14:creationId xmlns:p14="http://schemas.microsoft.com/office/powerpoint/2010/main" val="3125003206"/>
-      </p:ext>
-    </p:extLst>
-  </p:cSld>
-  <p:clrMapOvr>
-    <a:masterClrMapping/>
-  </p:clrMapOvr>
-  <p:transition>
-    <p:fade/>
-  </p:transition>
-  <p:timing>
-    <p:tnLst>
-      <p:par>
-        <p:cTn id="1" dur="indefinite" restart="never" nodeType="tmRoot">
-          <p:childTnLst>
-            <p:seq concurrent="1" nextAc="seek">
-              <p:cTn id="2" dur="indefinite" nodeType="mainSeq">
-                <p:childTnLst>
-                  <p:par>
-                    <p:cTn id="3" fill="hold">
-                      <p:stCondLst>
-                        <p:cond delay="indefinite"/>
-                      </p:stCondLst>
-                      <p:childTnLst>
-                        <p:par>
-                          <p:cTn id="4" fill="hold">
-                            <p:stCondLst>
-                              <p:cond delay="0"/>
-                            </p:stCondLst>
-                            <p:childTnLst>
-                              <p:par>
-                                <p:cTn id="5" presetID="5" presetClass="entr" presetSubtype="10" fill="hold" grpId="0" nodeType="clickEffect">
-                                  <p:stCondLst>
-                                    <p:cond delay="0"/>
-                                  </p:stCondLst>
-                                  <p:childTnLst>
-                                    <p:set>
-                                      <p:cBhvr>
-                                        <p:cTn id="6" dur="1" fill="hold">
-                                          <p:stCondLst>
-                                            <p:cond delay="0"/>
-                                          </p:stCondLst>
-                                        </p:cTn>
-                                        <p:tgtEl>
-                                          <p:spTgt spid="4"/>
-                                        </p:tgtEl>
-                                        <p:attrNameLst>
-                                          <p:attrName>style.visibility</p:attrName>
-                                        </p:attrNameLst>
-                                      </p:cBhvr>
-                                      <p:to>
-                                        <p:strVal val="visible"/>
-                                      </p:to>
-                                    </p:set>
-                                    <p:animEffect transition="in" filter="checkerboard(across)">
-                                      <p:cBhvr>
-                                        <p:cTn id="7" dur="500"/>
-                                        <p:tgtEl>
-                                          <p:spTgt spid="4"/>
-                                        </p:tgtEl>
-                                      </p:cBhvr>
-                                    </p:animEffect>
-                                  </p:childTnLst>
-                                </p:cTn>
-                              </p:par>
-                              <p:par>
-                                <p:cTn id="8" presetID="9" presetClass="entr" presetSubtype="0" fill="hold" grpId="0" nodeType="withEffect">
-                                  <p:stCondLst>
-                                    <p:cond delay="0"/>
-                                  </p:stCondLst>
-                                  <p:childTnLst>
-                                    <p:set>
-                                      <p:cBhvr>
-                                        <p:cTn id="9" dur="1" fill="hold">
-                                          <p:stCondLst>
-                                            <p:cond delay="0"/>
-                                          </p:stCondLst>
-                                        </p:cTn>
-                                        <p:tgtEl>
-                                          <p:spTgt spid="5"/>
-                                        </p:tgtEl>
-                                        <p:attrNameLst>
-                                          <p:attrName>style.visibility</p:attrName>
-                                        </p:attrNameLst>
-                                      </p:cBhvr>
-                                      <p:to>
-                                        <p:strVal val="visible"/>
-                                      </p:to>
-                                    </p:set>
-                                    <p:animEffect transition="in" filter="dissolve">
-                                      <p:cBhvr>
-                                        <p:cTn id="10" dur="500"/>
-                                        <p:tgtEl>
-                                          <p:spTgt spid="5"/>
-                                        </p:tgtEl>
-                                      </p:cBhvr>
-                                    </p:animEffect>
-                                  </p:childTnLst>
-                                </p:cTn>
-                              </p:par>
-                            </p:childTnLst>
-                          </p:cTn>
-                        </p:par>
-                      </p:childTnLst>
-                    </p:cTn>
-                  </p:par>
-                </p:childTnLst>
-              </p:cTn>
-              <p:prevCondLst>
-                <p:cond evt="onPrev" delay="0">
-                  <p:tgtEl>
-                    <p:sldTgt/>
-                  </p:tgtEl>
-                </p:cond>
-              </p:prevCondLst>
-              <p:nextCondLst>
-                <p:cond evt="onNext" delay="0">
-                  <p:tgtEl>
-                    <p:sldTgt/>
-                  </p:tgtEl>
-                </p:cond>
-              </p:nextCondLst>
-            </p:seq>
-          </p:childTnLst>
-        </p:cTn>
-      </p:par>
-    </p:tnLst>
-    <p:bldLst>
-      <p:bldP spid="4" grpId="0" animBg="1"/>
-      <p:bldP spid="5" grpId="0"/>
-    </p:bldLst>
-  </p:timing>
-</p:sld>
-</file>
-
-<file path=ppt/slides/slide12.xml><?xml version="1.0" encoding="utf-8"?>
-<p:sld xmlns:a="http://schemas.openxmlformats.org/drawingml/2006/main" xmlns:r="http://schemas.openxmlformats.org/officeDocument/2006/relationships" xmlns:p="http://schemas.openxmlformats.org/presentationml/2006/main">
-  <p:cSld>
-    <p:spTree>
-      <p:nvGrpSpPr>
-        <p:cNvPr id="1" name=""/>
-        <p:cNvGrpSpPr/>
-        <p:nvPr/>
-      </p:nvGrpSpPr>
-      <p:grpSpPr>
-        <a:xfrm>
-          <a:off x="0" y="0"/>
-          <a:ext cx="0" cy="0"/>
-          <a:chOff x="0" y="0"/>
-          <a:chExt cx="0" cy="0"/>
-        </a:xfrm>
-      </p:grpSpPr>
-      <p:sp>
-        <p:nvSpPr>
-          <p:cNvPr id="2" name="Title 1"/>
-          <p:cNvSpPr>
-            <a:spLocks noGrp="1"/>
-          </p:cNvSpPr>
-          <p:nvPr>
-            <p:ph type="title"/>
-          </p:nvPr>
-        </p:nvSpPr>
-        <p:spPr/>
-        <p:txBody>
-          <a:bodyPr/>
-          <a:lstStyle/>
-          <a:p>
-            <a:r>
-              <a:rPr lang="en-US" dirty="0" smtClean="0"/>
-              <a:t>What kind of an Engineer are you?</a:t>
-            </a:r>
-            <a:endParaRPr lang="en-US" dirty="0"/>
-          </a:p>
-        </p:txBody>
-      </p:sp>
-      <p:sp>
-        <p:nvSpPr>
-          <p:cNvPr id="3" name="Content Placeholder 2"/>
-          <p:cNvSpPr>
-            <a:spLocks noGrp="1"/>
-          </p:cNvSpPr>
-          <p:nvPr>
-            <p:ph idx="1"/>
-          </p:nvPr>
-        </p:nvSpPr>
-        <p:spPr/>
-        <p:txBody>
-          <a:bodyPr/>
-          <a:lstStyle/>
-          <a:p>
-            <a:r>
-              <a:rPr lang="en-US" dirty="0" smtClean="0"/>
-              <a:t>Good at using Google?</a:t>
-            </a:r>
-          </a:p>
-          <a:p>
-            <a:r>
-              <a:rPr lang="en-US" dirty="0" smtClean="0"/>
-              <a:t>Satisfied with making one design at a time?</a:t>
-            </a:r>
-          </a:p>
-          <a:p>
-            <a:r>
-              <a:rPr lang="en-US" dirty="0" smtClean="0"/>
-              <a:t>Able to think about the context and create new solutions and new algorithms?</a:t>
-            </a:r>
-          </a:p>
-          <a:p>
-            <a:r>
-              <a:rPr lang="en-US" dirty="0" smtClean="0"/>
-              <a:t>Able to generalize the problem and the solution</a:t>
-            </a:r>
-          </a:p>
-          <a:p>
-            <a:r>
-              <a:rPr lang="en-US" dirty="0" smtClean="0"/>
-              <a:t>Intrigued by the possibility of creating new systems (and jigs)?</a:t>
-            </a:r>
-          </a:p>
-          <a:p>
-            <a:endParaRPr lang="en-US" dirty="0"/>
-          </a:p>
-        </p:txBody>
-      </p:sp>
-      <p:sp>
-        <p:nvSpPr>
-          <p:cNvPr id="4" name="TextBox 3"/>
-          <p:cNvSpPr txBox="1"/>
-          <p:nvPr/>
-        </p:nvSpPr>
-        <p:spPr>
-          <a:xfrm>
-            <a:off x="4882552" y="1669212"/>
-            <a:ext cx="4114799" cy="461665"/>
-          </a:xfrm>
-          <a:prstGeom prst="rect">
-            <a:avLst/>
-          </a:prstGeom>
-          <a:noFill/>
-        </p:spPr>
-        <p:txBody>
-          <a:bodyPr wrap="square" rtlCol="0">
-            <a:spAutoFit/>
-          </a:bodyPr>
-          <a:lstStyle/>
-          <a:p>
-            <a:r>
-              <a:rPr lang="en-US" sz="2400" b="0" dirty="0" smtClean="0">
-                <a:solidFill>
-                  <a:schemeClr val="accent4"/>
-                </a:solidFill>
-              </a:rPr>
-              <a:t>Did you need Cornell for this?</a:t>
-            </a:r>
-            <a:endParaRPr lang="en-US" sz="2400" b="0" dirty="0">
-              <a:solidFill>
-                <a:schemeClr val="accent4"/>
-              </a:solidFill>
-            </a:endParaRPr>
-          </a:p>
-        </p:txBody>
-      </p:sp>
-    </p:spTree>
-    <p:extLst>
-      <p:ext uri="{BB962C8B-B14F-4D97-AF65-F5344CB8AC3E}">
-        <p14:creationId xmlns:p14="http://schemas.microsoft.com/office/powerpoint/2010/main" val="1588257582"/>
-      </p:ext>
-    </p:extLst>
-  </p:cSld>
-  <p:clrMapOvr>
-    <a:masterClrMapping/>
-  </p:clrMapOvr>
-  <p:transition>
-    <p:fade/>
-  </p:transition>
-  <p:timing>
-    <p:tnLst>
-      <p:par>
-        <p:cTn id="1" dur="indefinite" restart="never" nodeType="tmRoot">
-          <p:childTnLst>
-            <p:seq concurrent="1" nextAc="seek">
-              <p:cTn id="2" dur="indefinite" nodeType="mainSeq">
-                <p:childTnLst>
-                  <p:par>
-                    <p:cTn id="3" fill="hold">
-                      <p:stCondLst>
-                        <p:cond delay="indefinite"/>
-                      </p:stCondLst>
-                      <p:childTnLst>
-                        <p:par>
-                          <p:cTn id="4" fill="hold">
-                            <p:stCondLst>
-                              <p:cond delay="0"/>
-                            </p:stCondLst>
-                            <p:childTnLst>
-                              <p:par>
-                                <p:cTn id="5" presetID="1" presetClass="entr" presetSubtype="0" fill="hold" grpId="0" nodeType="clickEffect">
-                                  <p:stCondLst>
-                                    <p:cond delay="0"/>
-                                  </p:stCondLst>
-                                  <p:childTnLst>
-                                    <p:set>
-                                      <p:cBhvr>
-                                        <p:cTn id="6" dur="1" fill="hold">
-                                          <p:stCondLst>
-                                            <p:cond delay="0"/>
-                                          </p:stCondLst>
-                                        </p:cTn>
-                                        <p:tgtEl>
-                                          <p:spTgt spid="3">
-                                            <p:txEl>
-                                              <p:pRg st="0" end="0"/>
-                                            </p:txEl>
-                                          </p:spTgt>
-                                        </p:tgtEl>
-                                        <p:attrNameLst>
-                                          <p:attrName>style.visibility</p:attrName>
-                                        </p:attrNameLst>
-                                      </p:cBhvr>
-                                      <p:to>
-                                        <p:strVal val="visible"/>
-                                      </p:to>
-                                    </p:set>
-                                  </p:childTnLst>
-                                </p:cTn>
-                              </p:par>
-                            </p:childTnLst>
-                          </p:cTn>
-                        </p:par>
-                      </p:childTnLst>
-                    </p:cTn>
-                  </p:par>
-                  <p:par>
-                    <p:cTn id="7" fill="hold">
-                      <p:stCondLst>
-                        <p:cond delay="indefinite"/>
-                      </p:stCondLst>
-                      <p:childTnLst>
-                        <p:par>
-                          <p:cTn id="8" fill="hold">
-                            <p:stCondLst>
-                              <p:cond delay="0"/>
-                            </p:stCondLst>
-                            <p:childTnLst>
-                              <p:par>
-                                <p:cTn id="9" presetID="1" presetClass="entr" presetSubtype="0" fill="hold" grpId="0" nodeType="clickEffect">
-                                  <p:stCondLst>
-                                    <p:cond delay="0"/>
-                                  </p:stCondLst>
-                                  <p:childTnLst>
-                                    <p:set>
-                                      <p:cBhvr>
-                                        <p:cTn id="10" dur="1" fill="hold">
-                                          <p:stCondLst>
-                                            <p:cond delay="0"/>
-                                          </p:stCondLst>
-                                        </p:cTn>
-                                        <p:tgtEl>
-                                          <p:spTgt spid="4"/>
-                                        </p:tgtEl>
-                                        <p:attrNameLst>
-                                          <p:attrName>style.visibility</p:attrName>
-                                        </p:attrNameLst>
-                                      </p:cBhvr>
-                                      <p:to>
-                                        <p:strVal val="visible"/>
-                                      </p:to>
-                                    </p:set>
-                                  </p:childTnLst>
-                                </p:cTn>
-                              </p:par>
-                            </p:childTnLst>
-                          </p:cTn>
-                        </p:par>
-                      </p:childTnLst>
-                    </p:cTn>
-                  </p:par>
-                  <p:par>
-                    <p:cTn id="11" fill="hold">
-                      <p:stCondLst>
-                        <p:cond delay="indefinite"/>
-                      </p:stCondLst>
-                      <p:childTnLst>
-                        <p:par>
-                          <p:cTn id="12" fill="hold">
-                            <p:stCondLst>
-                              <p:cond delay="0"/>
-                            </p:stCondLst>
-                            <p:childTnLst>
-                              <p:par>
-                                <p:cTn id="13" presetID="1" presetClass="entr" presetSubtype="0" fill="hold" grpId="0" nodeType="clickEffect">
-                                  <p:stCondLst>
-                                    <p:cond delay="0"/>
-                                  </p:stCondLst>
-                                  <p:childTnLst>
-                                    <p:set>
-                                      <p:cBhvr>
-                                        <p:cTn id="14" dur="1" fill="hold">
-                                          <p:stCondLst>
-                                            <p:cond delay="0"/>
-                                          </p:stCondLst>
-                                        </p:cTn>
-                                        <p:tgtEl>
-                                          <p:spTgt spid="3">
-                                            <p:txEl>
-                                              <p:pRg st="1" end="1"/>
-                                            </p:txEl>
-                                          </p:spTgt>
-                                        </p:tgtEl>
-                                        <p:attrNameLst>
-                                          <p:attrName>style.visibility</p:attrName>
-                                        </p:attrNameLst>
-                                      </p:cBhvr>
-                                      <p:to>
-                                        <p:strVal val="visible"/>
-                                      </p:to>
-                                    </p:set>
-                                  </p:childTnLst>
-                                </p:cTn>
-                              </p:par>
-                            </p:childTnLst>
-                          </p:cTn>
-                        </p:par>
-                      </p:childTnLst>
-                    </p:cTn>
-                  </p:par>
-                  <p:par>
-                    <p:cTn id="15" fill="hold">
-                      <p:stCondLst>
-                        <p:cond delay="indefinite"/>
-                      </p:stCondLst>
-                      <p:childTnLst>
-                        <p:par>
-                          <p:cTn id="16" fill="hold">
-                            <p:stCondLst>
-                              <p:cond delay="0"/>
-                            </p:stCondLst>
-                            <p:childTnLst>
-                              <p:par>
-                                <p:cTn id="17" presetID="1" presetClass="entr" presetSubtype="0" fill="hold" grpId="0" nodeType="clickEffect">
-                                  <p:stCondLst>
-                                    <p:cond delay="0"/>
-                                  </p:stCondLst>
-                                  <p:childTnLst>
-                                    <p:set>
-                                      <p:cBhvr>
-                                        <p:cTn id="18" dur="1" fill="hold">
-                                          <p:stCondLst>
-                                            <p:cond delay="0"/>
-                                          </p:stCondLst>
-                                        </p:cTn>
-                                        <p:tgtEl>
-                                          <p:spTgt spid="3">
-                                            <p:txEl>
-                                              <p:pRg st="2" end="2"/>
-                                            </p:txEl>
-                                          </p:spTgt>
-                                        </p:tgtEl>
-                                        <p:attrNameLst>
-                                          <p:attrName>style.visibility</p:attrName>
-                                        </p:attrNameLst>
-                                      </p:cBhvr>
-                                      <p:to>
-                                        <p:strVal val="visible"/>
-                                      </p:to>
-                                    </p:set>
-                                  </p:childTnLst>
-                                </p:cTn>
-                              </p:par>
-                            </p:childTnLst>
-                          </p:cTn>
-                        </p:par>
-                      </p:childTnLst>
-                    </p:cTn>
-                  </p:par>
-                  <p:par>
-                    <p:cTn id="19" fill="hold">
-                      <p:stCondLst>
-                        <p:cond delay="indefinite"/>
-                      </p:stCondLst>
-                      <p:childTnLst>
-                        <p:par>
-                          <p:cTn id="20" fill="hold">
-                            <p:stCondLst>
-                              <p:cond delay="0"/>
-                            </p:stCondLst>
-                            <p:childTnLst>
-                              <p:par>
-                                <p:cTn id="21" presetID="1" presetClass="entr" presetSubtype="0" fill="hold" grpId="0" nodeType="clickEffect">
-                                  <p:stCondLst>
-                                    <p:cond delay="0"/>
-                                  </p:stCondLst>
-                                  <p:childTnLst>
-                                    <p:set>
-                                      <p:cBhvr>
-                                        <p:cTn id="22" dur="1" fill="hold">
-                                          <p:stCondLst>
-                                            <p:cond delay="0"/>
-                                          </p:stCondLst>
-                                        </p:cTn>
-                                        <p:tgtEl>
-                                          <p:spTgt spid="3">
-                                            <p:txEl>
-                                              <p:pRg st="3" end="3"/>
-                                            </p:txEl>
-                                          </p:spTgt>
-                                        </p:tgtEl>
-                                        <p:attrNameLst>
-                                          <p:attrName>style.visibility</p:attrName>
-                                        </p:attrNameLst>
-                                      </p:cBhvr>
-                                      <p:to>
-                                        <p:strVal val="visible"/>
-                                      </p:to>
-                                    </p:set>
-                                  </p:childTnLst>
-                                </p:cTn>
-                              </p:par>
-                            </p:childTnLst>
-                          </p:cTn>
-                        </p:par>
-                      </p:childTnLst>
-                    </p:cTn>
-                  </p:par>
-                  <p:par>
-                    <p:cTn id="23" fill="hold">
-                      <p:stCondLst>
-                        <p:cond delay="indefinite"/>
-                      </p:stCondLst>
-                      <p:childTnLst>
-                        <p:par>
-                          <p:cTn id="24" fill="hold">
-                            <p:stCondLst>
-                              <p:cond delay="0"/>
-                            </p:stCondLst>
-                            <p:childTnLst>
-                              <p:par>
-                                <p:cTn id="25" presetID="1" presetClass="entr" presetSubtype="0" fill="hold" grpId="0" nodeType="clickEffect">
-                                  <p:stCondLst>
-                                    <p:cond delay="0"/>
-                                  </p:stCondLst>
-                                  <p:childTnLst>
-                                    <p:set>
-                                      <p:cBhvr>
-                                        <p:cTn id="26" dur="1" fill="hold">
-                                          <p:stCondLst>
-                                            <p:cond delay="0"/>
-                                          </p:stCondLst>
-                                        </p:cTn>
-                                        <p:tgtEl>
-                                          <p:spTgt spid="3">
-                                            <p:txEl>
-                                              <p:pRg st="4" end="4"/>
-                                            </p:txEl>
-                                          </p:spTgt>
-                                        </p:tgtEl>
-                                        <p:attrNameLst>
-                                          <p:attrName>style.visibility</p:attrName>
-                                        </p:attrNameLst>
-                                      </p:cBhvr>
-                                      <p:to>
-                                        <p:strVal val="visible"/>
-                                      </p:to>
-                                    </p:set>
-                                  </p:childTnLst>
-                                </p:cTn>
-                              </p:par>
-                            </p:childTnLst>
-                          </p:cTn>
-                        </p:par>
-                      </p:childTnLst>
-                    </p:cTn>
-                  </p:par>
-                </p:childTnLst>
-              </p:cTn>
-              <p:prevCondLst>
-                <p:cond evt="onPrev" delay="0">
-                  <p:tgtEl>
-                    <p:sldTgt/>
-                  </p:tgtEl>
-                </p:cond>
-              </p:prevCondLst>
-              <p:nextCondLst>
-                <p:cond evt="onNext" delay="0">
-                  <p:tgtEl>
-                    <p:sldTgt/>
-                  </p:tgtEl>
-                </p:cond>
-              </p:nextCondLst>
-            </p:seq>
-          </p:childTnLst>
-        </p:cTn>
-      </p:par>
-    </p:tnLst>
-    <p:bldLst>
-      <p:bldP spid="3" grpId="0" build="p"/>
-      <p:bldP spid="4" grpId="0"/>
-    </p:bldLst>
-  </p:timing>
-</p:sld>
-</file>
-
-<file path=ppt/slides/slide13.xml><?xml version="1.0" encoding="utf-8"?>
-<p:sld xmlns:a="http://schemas.openxmlformats.org/drawingml/2006/main" xmlns:r="http://schemas.openxmlformats.org/officeDocument/2006/relationships" xmlns:p="http://schemas.openxmlformats.org/presentationml/2006/main">
-  <p:cSld>
-    <p:spTree>
-      <p:nvGrpSpPr>
-        <p:cNvPr id="1" name=""/>
-        <p:cNvGrpSpPr/>
-        <p:nvPr/>
-      </p:nvGrpSpPr>
-      <p:grpSpPr>
-        <a:xfrm>
-          <a:off x="0" y="0"/>
-          <a:ext cx="0" cy="0"/>
-          <a:chOff x="0" y="0"/>
-          <a:chExt cx="0" cy="0"/>
-        </a:xfrm>
-      </p:grpSpPr>
-      <p:sp>
-        <p:nvSpPr>
-          <p:cNvPr id="2" name="Title 1"/>
-          <p:cNvSpPr>
-            <a:spLocks noGrp="1"/>
-          </p:cNvSpPr>
-          <p:nvPr>
-            <p:ph type="title"/>
-          </p:nvPr>
-        </p:nvSpPr>
-        <p:spPr/>
-        <p:txBody>
-          <a:bodyPr/>
-          <a:lstStyle/>
-          <a:p>
-            <a:r>
-              <a:rPr lang="en-US" dirty="0" smtClean="0"/>
               <a:t>Are you Ready for the Transition to Mass Production?</a:t>
             </a:r>
             <a:endParaRPr lang="en-US" dirty="0"/>
@@ -5368,107 +4053,7 @@
 </p:sld>
 </file>
 
-<file path=ppt/slides/slide14.xml><?xml version="1.0" encoding="utf-8"?>
-<p:sld xmlns:a="http://schemas.openxmlformats.org/drawingml/2006/main" xmlns:r="http://schemas.openxmlformats.org/officeDocument/2006/relationships" xmlns:p="http://schemas.openxmlformats.org/presentationml/2006/main">
-  <p:cSld>
-    <p:spTree>
-      <p:nvGrpSpPr>
-        <p:cNvPr id="1" name=""/>
-        <p:cNvGrpSpPr/>
-        <p:nvPr/>
-      </p:nvGrpSpPr>
-      <p:grpSpPr>
-        <a:xfrm>
-          <a:off x="0" y="0"/>
-          <a:ext cx="0" cy="0"/>
-          <a:chOff x="0" y="0"/>
-          <a:chExt cx="0" cy="0"/>
-        </a:xfrm>
-      </p:grpSpPr>
-      <p:sp>
-        <p:nvSpPr>
-          <p:cNvPr id="2" name="Title 1"/>
-          <p:cNvSpPr>
-            <a:spLocks noGrp="1"/>
-          </p:cNvSpPr>
-          <p:nvPr>
-            <p:ph type="title"/>
-          </p:nvPr>
-        </p:nvSpPr>
-        <p:spPr/>
-        <p:txBody>
-          <a:bodyPr/>
-          <a:lstStyle/>
-          <a:p>
-            <a:r>
-              <a:rPr lang="en-US" dirty="0" smtClean="0"/>
-              <a:t>100 years before AguaClara…</a:t>
-            </a:r>
-            <a:endParaRPr lang="en-US" dirty="0"/>
-          </a:p>
-        </p:txBody>
-      </p:sp>
-      <p:sp>
-        <p:nvSpPr>
-          <p:cNvPr id="3" name="Content Placeholder 2"/>
-          <p:cNvSpPr>
-            <a:spLocks noGrp="1"/>
-          </p:cNvSpPr>
-          <p:nvPr>
-            <p:ph idx="1"/>
-          </p:nvPr>
-        </p:nvSpPr>
-        <p:spPr/>
-        <p:txBody>
-          <a:bodyPr/>
-          <a:lstStyle/>
-          <a:p>
-            <a:r>
-              <a:rPr lang="en-US" dirty="0" smtClean="0"/>
-              <a:t>Early on, manufacturers did not standardize car models - each car was a custom production</a:t>
-            </a:r>
-          </a:p>
-          <a:p>
-            <a:r>
-              <a:rPr lang="en-US" dirty="0" smtClean="0"/>
-              <a:t>Multiple early car manufacturers began standardizing and mass producing identical cars</a:t>
-            </a:r>
-          </a:p>
-          <a:p>
-            <a:r>
-              <a:rPr lang="en-US" dirty="0" smtClean="0"/>
-              <a:t>Ford incorporated the Ford Motor Company in 1903, proclaiming, "I will build a car for the great multitude."</a:t>
-            </a:r>
-          </a:p>
-          <a:p>
-            <a:endParaRPr lang="en-US" dirty="0"/>
-          </a:p>
-        </p:txBody>
-      </p:sp>
-    </p:spTree>
-    <p:extLst>
-      <p:ext uri="{BB962C8B-B14F-4D97-AF65-F5344CB8AC3E}">
-        <p14:creationId xmlns:p14="http://schemas.microsoft.com/office/powerpoint/2010/main" val="2103209487"/>
-      </p:ext>
-    </p:extLst>
-  </p:cSld>
-  <p:clrMapOvr>
-    <a:masterClrMapping/>
-  </p:clrMapOvr>
-  <p:transition>
-    <p:fade/>
-  </p:transition>
-  <p:timing>
-    <p:tnLst>
-      <p:par>
-        <p:cTn id="1" dur="indefinite" restart="never" nodeType="tmRoot"/>
-      </p:par>
-    </p:tnLst>
-  </p:timing>
-</p:sld>
-</file>
-
-<file path=ppt/slides/slide15.xml><?xml version="1.0" encoding="utf-8"?>
+<file path=ppt/slides/slide11.xml><?xml version="1.0" encoding="utf-8"?>
 <p:sld xmlns:a="http://schemas.openxmlformats.org/drawingml/2006/main" xmlns:r="http://schemas.openxmlformats.org/officeDocument/2006/relationships" xmlns:p="http://schemas.openxmlformats.org/presentationml/2006/main">
   <p:cSld>
     <p:spTree>
@@ -5812,7 +4397,7 @@
 </p:sld>
 </file>
 
-<file path=ppt/slides/slide16.xml><?xml version="1.0" encoding="utf-8"?>
+<file path=ppt/slides/slide12.xml><?xml version="1.0" encoding="utf-8"?>
 <p:sld xmlns:a="http://schemas.openxmlformats.org/drawingml/2006/main" xmlns:r="http://schemas.openxmlformats.org/officeDocument/2006/relationships" xmlns:p="http://schemas.openxmlformats.org/presentationml/2006/main">
   <p:cSld>
     <p:spTree>
@@ -6105,7 +4690,7 @@
 </p:sld>
 </file>
 
-<file path=ppt/slides/slide17.xml><?xml version="1.0" encoding="utf-8"?>
+<file path=ppt/slides/slide13.xml><?xml version="1.0" encoding="utf-8"?>
 <p:sld xmlns:a="http://schemas.openxmlformats.org/drawingml/2006/main" xmlns:r="http://schemas.openxmlformats.org/officeDocument/2006/relationships" xmlns:p="http://schemas.openxmlformats.org/presentationml/2006/main">
   <p:cSld>
     <p:spTree>
@@ -6350,7 +4935,7 @@
 </p:sld>
 </file>
 
-<file path=ppt/slides/slide18.xml><?xml version="1.0" encoding="utf-8"?>
+<file path=ppt/slides/slide14.xml><?xml version="1.0" encoding="utf-8"?>
 <p:sld xmlns:a="http://schemas.openxmlformats.org/drawingml/2006/main" xmlns:r="http://schemas.openxmlformats.org/officeDocument/2006/relationships" xmlns:p="http://schemas.openxmlformats.org/presentationml/2006/main">
   <p:cSld>
     <p:spTree>
@@ -6458,7 +5043,7 @@
 </p:sld>
 </file>
 
-<file path=ppt/slides/slide19.xml><?xml version="1.0" encoding="utf-8"?>
+<file path=ppt/slides/slide15.xml><?xml version="1.0" encoding="utf-8"?>
 <p:sld xmlns:a="http://schemas.openxmlformats.org/drawingml/2006/main" xmlns:r="http://schemas.openxmlformats.org/officeDocument/2006/relationships" xmlns:p="http://schemas.openxmlformats.org/presentationml/2006/main">
   <p:cSld>
     <p:spTree>
@@ -6735,7 +5320,7 @@
 </p:sld>
 </file>
 
-<file path=ppt/slides/slide2.xml><?xml version="1.0" encoding="utf-8"?>
+<file path=ppt/slides/slide16.xml><?xml version="1.0" encoding="utf-8"?>
 <p:sld xmlns:a="http://schemas.openxmlformats.org/drawingml/2006/main" xmlns:r="http://schemas.openxmlformats.org/officeDocument/2006/relationships" xmlns:p="http://schemas.openxmlformats.org/presentationml/2006/main">
   <p:cSld>
     <p:spTree>
@@ -6754,7 +5339,7 @@
       </p:grpSpPr>
       <p:sp>
         <p:nvSpPr>
-          <p:cNvPr id="4" name="Title 3"/>
+          <p:cNvPr id="2" name="Title 1"/>
           <p:cNvSpPr>
             <a:spLocks noGrp="1"/>
           </p:cNvSpPr>
@@ -6769,7 +5354,7 @@
           <a:p>
             <a:r>
               <a:rPr lang="en-US" dirty="0" smtClean="0"/>
-              <a:t>Why are you here?</a:t>
+              <a:t>How do you Invent?</a:t>
             </a:r>
             <a:endParaRPr lang="en-US" dirty="0"/>
           </a:p>
@@ -6777,7 +5362,7 @@
       </p:sp>
       <p:sp>
         <p:nvSpPr>
-          <p:cNvPr id="5" name="Content Placeholder 4"/>
+          <p:cNvPr id="3" name="Content Placeholder 2"/>
           <p:cNvSpPr>
             <a:spLocks noGrp="1"/>
           </p:cNvSpPr>
@@ -6792,331 +5377,6 @@
           <a:p>
             <a:r>
               <a:rPr lang="en-US" dirty="0" smtClean="0"/>
-              <a:t>What motivated you to become a chemical/environmental/biological/civil/ mechanical engineer?</a:t>
-            </a:r>
-          </a:p>
-          <a:p>
-            <a:r>
-              <a:rPr lang="en-US" dirty="0" smtClean="0"/>
-              <a:t>How important is passion or a connection with meaning in your choice of a career?</a:t>
-            </a:r>
-          </a:p>
-          <a:p>
-            <a:r>
-              <a:rPr lang="en-US" dirty="0" smtClean="0"/>
-              <a:t>What will motivate you to get up and go to work every weekday morning?</a:t>
-            </a:r>
-          </a:p>
-          <a:p>
-            <a:r>
-              <a:rPr lang="en-US" dirty="0" smtClean="0"/>
-              <a:t>What kind of capstone design project do you want to do?</a:t>
-            </a:r>
-          </a:p>
-        </p:txBody>
-      </p:sp>
-    </p:spTree>
-    <p:extLst>
-      <p:ext uri="{BB962C8B-B14F-4D97-AF65-F5344CB8AC3E}">
-        <p14:creationId xmlns:p14="http://schemas.microsoft.com/office/powerpoint/2010/main" val="1599879206"/>
-      </p:ext>
-    </p:extLst>
-  </p:cSld>
-  <p:clrMapOvr>
-    <a:masterClrMapping/>
-  </p:clrMapOvr>
-  <p:transition>
-    <p:fade/>
-  </p:transition>
-  <p:timing>
-    <p:tnLst>
-      <p:par>
-        <p:cTn id="1" dur="indefinite" restart="never" nodeType="tmRoot">
-          <p:childTnLst>
-            <p:seq concurrent="1" nextAc="seek">
-              <p:cTn id="2" dur="indefinite" nodeType="mainSeq">
-                <p:childTnLst>
-                  <p:par>
-                    <p:cTn id="3" fill="hold">
-                      <p:stCondLst>
-                        <p:cond delay="indefinite"/>
-                      </p:stCondLst>
-                      <p:childTnLst>
-                        <p:par>
-                          <p:cTn id="4" fill="hold">
-                            <p:stCondLst>
-                              <p:cond delay="0"/>
-                            </p:stCondLst>
-                            <p:childTnLst>
-                              <p:par>
-                                <p:cTn id="5" presetID="1" presetClass="entr" presetSubtype="0" fill="hold" grpId="0" nodeType="clickEffect">
-                                  <p:stCondLst>
-                                    <p:cond delay="0"/>
-                                  </p:stCondLst>
-                                  <p:childTnLst>
-                                    <p:set>
-                                      <p:cBhvr>
-                                        <p:cTn id="6" dur="1" fill="hold">
-                                          <p:stCondLst>
-                                            <p:cond delay="0"/>
-                                          </p:stCondLst>
-                                        </p:cTn>
-                                        <p:tgtEl>
-                                          <p:spTgt spid="5">
-                                            <p:txEl>
-                                              <p:pRg st="0" end="0"/>
-                                            </p:txEl>
-                                          </p:spTgt>
-                                        </p:tgtEl>
-                                        <p:attrNameLst>
-                                          <p:attrName>style.visibility</p:attrName>
-                                        </p:attrNameLst>
-                                      </p:cBhvr>
-                                      <p:to>
-                                        <p:strVal val="visible"/>
-                                      </p:to>
-                                    </p:set>
-                                  </p:childTnLst>
-                                </p:cTn>
-                              </p:par>
-                            </p:childTnLst>
-                          </p:cTn>
-                        </p:par>
-                      </p:childTnLst>
-                    </p:cTn>
-                  </p:par>
-                  <p:par>
-                    <p:cTn id="7" fill="hold">
-                      <p:stCondLst>
-                        <p:cond delay="indefinite"/>
-                      </p:stCondLst>
-                      <p:childTnLst>
-                        <p:par>
-                          <p:cTn id="8" fill="hold">
-                            <p:stCondLst>
-                              <p:cond delay="0"/>
-                            </p:stCondLst>
-                            <p:childTnLst>
-                              <p:par>
-                                <p:cTn id="9" presetID="1" presetClass="entr" presetSubtype="0" fill="hold" grpId="0" nodeType="clickEffect">
-                                  <p:stCondLst>
-                                    <p:cond delay="0"/>
-                                  </p:stCondLst>
-                                  <p:childTnLst>
-                                    <p:set>
-                                      <p:cBhvr>
-                                        <p:cTn id="10" dur="1" fill="hold">
-                                          <p:stCondLst>
-                                            <p:cond delay="0"/>
-                                          </p:stCondLst>
-                                        </p:cTn>
-                                        <p:tgtEl>
-                                          <p:spTgt spid="5">
-                                            <p:txEl>
-                                              <p:pRg st="1" end="1"/>
-                                            </p:txEl>
-                                          </p:spTgt>
-                                        </p:tgtEl>
-                                        <p:attrNameLst>
-                                          <p:attrName>style.visibility</p:attrName>
-                                        </p:attrNameLst>
-                                      </p:cBhvr>
-                                      <p:to>
-                                        <p:strVal val="visible"/>
-                                      </p:to>
-                                    </p:set>
-                                  </p:childTnLst>
-                                </p:cTn>
-                              </p:par>
-                            </p:childTnLst>
-                          </p:cTn>
-                        </p:par>
-                      </p:childTnLst>
-                    </p:cTn>
-                  </p:par>
-                  <p:par>
-                    <p:cTn id="11" fill="hold">
-                      <p:stCondLst>
-                        <p:cond delay="indefinite"/>
-                      </p:stCondLst>
-                      <p:childTnLst>
-                        <p:par>
-                          <p:cTn id="12" fill="hold">
-                            <p:stCondLst>
-                              <p:cond delay="0"/>
-                            </p:stCondLst>
-                            <p:childTnLst>
-                              <p:par>
-                                <p:cTn id="13" presetID="1" presetClass="entr" presetSubtype="0" fill="hold" grpId="0" nodeType="clickEffect">
-                                  <p:stCondLst>
-                                    <p:cond delay="0"/>
-                                  </p:stCondLst>
-                                  <p:childTnLst>
-                                    <p:set>
-                                      <p:cBhvr>
-                                        <p:cTn id="14" dur="1" fill="hold">
-                                          <p:stCondLst>
-                                            <p:cond delay="0"/>
-                                          </p:stCondLst>
-                                        </p:cTn>
-                                        <p:tgtEl>
-                                          <p:spTgt spid="5">
-                                            <p:txEl>
-                                              <p:pRg st="2" end="2"/>
-                                            </p:txEl>
-                                          </p:spTgt>
-                                        </p:tgtEl>
-                                        <p:attrNameLst>
-                                          <p:attrName>style.visibility</p:attrName>
-                                        </p:attrNameLst>
-                                      </p:cBhvr>
-                                      <p:to>
-                                        <p:strVal val="visible"/>
-                                      </p:to>
-                                    </p:set>
-                                  </p:childTnLst>
-                                </p:cTn>
-                              </p:par>
-                            </p:childTnLst>
-                          </p:cTn>
-                        </p:par>
-                      </p:childTnLst>
-                    </p:cTn>
-                  </p:par>
-                  <p:par>
-                    <p:cTn id="15" fill="hold">
-                      <p:stCondLst>
-                        <p:cond delay="indefinite"/>
-                      </p:stCondLst>
-                      <p:childTnLst>
-                        <p:par>
-                          <p:cTn id="16" fill="hold">
-                            <p:stCondLst>
-                              <p:cond delay="0"/>
-                            </p:stCondLst>
-                            <p:childTnLst>
-                              <p:par>
-                                <p:cTn id="17" presetID="1" presetClass="entr" presetSubtype="0" fill="hold" grpId="0" nodeType="clickEffect">
-                                  <p:stCondLst>
-                                    <p:cond delay="0"/>
-                                  </p:stCondLst>
-                                  <p:childTnLst>
-                                    <p:set>
-                                      <p:cBhvr>
-                                        <p:cTn id="18" dur="1" fill="hold">
-                                          <p:stCondLst>
-                                            <p:cond delay="0"/>
-                                          </p:stCondLst>
-                                        </p:cTn>
-                                        <p:tgtEl>
-                                          <p:spTgt spid="5">
-                                            <p:txEl>
-                                              <p:pRg st="3" end="3"/>
-                                            </p:txEl>
-                                          </p:spTgt>
-                                        </p:tgtEl>
-                                        <p:attrNameLst>
-                                          <p:attrName>style.visibility</p:attrName>
-                                        </p:attrNameLst>
-                                      </p:cBhvr>
-                                      <p:to>
-                                        <p:strVal val="visible"/>
-                                      </p:to>
-                                    </p:set>
-                                  </p:childTnLst>
-                                </p:cTn>
-                              </p:par>
-                            </p:childTnLst>
-                          </p:cTn>
-                        </p:par>
-                      </p:childTnLst>
-                    </p:cTn>
-                  </p:par>
-                </p:childTnLst>
-              </p:cTn>
-              <p:prevCondLst>
-                <p:cond evt="onPrev" delay="0">
-                  <p:tgtEl>
-                    <p:sldTgt/>
-                  </p:tgtEl>
-                </p:cond>
-              </p:prevCondLst>
-              <p:nextCondLst>
-                <p:cond evt="onNext" delay="0">
-                  <p:tgtEl>
-                    <p:sldTgt/>
-                  </p:tgtEl>
-                </p:cond>
-              </p:nextCondLst>
-            </p:seq>
-          </p:childTnLst>
-        </p:cTn>
-      </p:par>
-    </p:tnLst>
-    <p:bldLst>
-      <p:bldP spid="5" grpId="0" build="p"/>
-    </p:bldLst>
-  </p:timing>
-</p:sld>
-</file>
-
-<file path=ppt/slides/slide20.xml><?xml version="1.0" encoding="utf-8"?>
-<p:sld xmlns:a="http://schemas.openxmlformats.org/drawingml/2006/main" xmlns:r="http://schemas.openxmlformats.org/officeDocument/2006/relationships" xmlns:p="http://schemas.openxmlformats.org/presentationml/2006/main">
-  <p:cSld>
-    <p:spTree>
-      <p:nvGrpSpPr>
-        <p:cNvPr id="1" name=""/>
-        <p:cNvGrpSpPr/>
-        <p:nvPr/>
-      </p:nvGrpSpPr>
-      <p:grpSpPr>
-        <a:xfrm>
-          <a:off x="0" y="0"/>
-          <a:ext cx="0" cy="0"/>
-          <a:chOff x="0" y="0"/>
-          <a:chExt cx="0" cy="0"/>
-        </a:xfrm>
-      </p:grpSpPr>
-      <p:sp>
-        <p:nvSpPr>
-          <p:cNvPr id="2" name="Title 1"/>
-          <p:cNvSpPr>
-            <a:spLocks noGrp="1"/>
-          </p:cNvSpPr>
-          <p:nvPr>
-            <p:ph type="title"/>
-          </p:nvPr>
-        </p:nvSpPr>
-        <p:spPr/>
-        <p:txBody>
-          <a:bodyPr/>
-          <a:lstStyle/>
-          <a:p>
-            <a:r>
-              <a:rPr lang="en-US" dirty="0" smtClean="0"/>
-              <a:t>How do you Invent?</a:t>
-            </a:r>
-            <a:endParaRPr lang="en-US" dirty="0"/>
-          </a:p>
-        </p:txBody>
-      </p:sp>
-      <p:sp>
-        <p:nvSpPr>
-          <p:cNvPr id="3" name="Content Placeholder 2"/>
-          <p:cNvSpPr>
-            <a:spLocks noGrp="1"/>
-          </p:cNvSpPr>
-          <p:nvPr>
-            <p:ph idx="1"/>
-          </p:nvPr>
-        </p:nvSpPr>
-        <p:spPr/>
-        <p:txBody>
-          <a:bodyPr/>
-          <a:lstStyle/>
-          <a:p>
-            <a:r>
-              <a:rPr lang="en-US" dirty="0" smtClean="0"/>
               <a:t>Question EVERYTHING including the Question</a:t>
             </a:r>
           </a:p>
@@ -7141,8 +5401,21 @@
           <a:p>
             <a:r>
               <a:rPr lang="en-US" dirty="0" smtClean="0"/>
-              <a:t>Watch out for your assumptions</a:t>
-            </a:r>
+              <a:t>Question your assumptions</a:t>
+            </a:r>
+          </a:p>
+          <a:p>
+            <a:r>
+              <a:rPr lang="en-US" dirty="0" smtClean="0"/>
+              <a:t>Take it to the extremes</a:t>
+            </a:r>
+          </a:p>
+          <a:p>
+            <a:r>
+              <a:rPr lang="en-US" dirty="0" smtClean="0"/>
+              <a:t>Remember sustainability</a:t>
+            </a:r>
+            <a:endParaRPr lang="en-US" dirty="0" smtClean="0"/>
           </a:p>
           <a:p>
             <a:endParaRPr lang="en-US" dirty="0"/>
@@ -7254,44 +5527,6 @@
                 </a:solidFill>
               </a:rPr>
               <a:t>Mass is conserved </a:t>
-            </a:r>
-            <a:endParaRPr lang="en-US" b="0" dirty="0">
-              <a:solidFill>
-                <a:schemeClr val="accent1"/>
-              </a:solidFill>
-            </a:endParaRPr>
-          </a:p>
-        </p:txBody>
-      </p:sp>
-      <p:sp>
-        <p:nvSpPr>
-          <p:cNvPr id="10" name="TextBox 9"/>
-          <p:cNvSpPr txBox="1"/>
-          <p:nvPr/>
-        </p:nvSpPr>
-        <p:spPr>
-          <a:xfrm>
-            <a:off x="2327780" y="5079484"/>
-            <a:ext cx="4507965" cy="523220"/>
-          </a:xfrm>
-          <a:prstGeom prst="rect">
-            <a:avLst/>
-          </a:prstGeom>
-          <a:noFill/>
-        </p:spPr>
-        <p:txBody>
-          <a:bodyPr wrap="none" rtlCol="0">
-            <a:spAutoFit/>
-          </a:bodyPr>
-          <a:lstStyle/>
-          <a:p>
-            <a:r>
-              <a:rPr lang="en-US" dirty="0" smtClean="0">
-                <a:solidFill>
-                  <a:schemeClr val="accent1"/>
-                </a:solidFill>
-              </a:rPr>
-              <a:t>Breaking flocs is bad (maybe)</a:t>
             </a:r>
             <a:endParaRPr lang="en-US" b="0" dirty="0">
               <a:solidFill>
@@ -7728,7 +5963,60 @@
                                           </p:stCondLst>
                                         </p:cTn>
                                         <p:tgtEl>
-                                          <p:spTgt spid="10"/>
+                                          <p:spTgt spid="3">
+                                            <p:txEl>
+                                              <p:pRg st="5" end="5"/>
+                                            </p:txEl>
+                                          </p:spTgt>
+                                        </p:tgtEl>
+                                        <p:attrNameLst>
+                                          <p:attrName>style.visibility</p:attrName>
+                                        </p:attrNameLst>
+                                      </p:cBhvr>
+                                      <p:to>
+                                        <p:strVal val="visible"/>
+                                      </p:to>
+                                    </p:set>
+                                  </p:childTnLst>
+                                </p:cTn>
+                              </p:par>
+                            </p:childTnLst>
+                          </p:cTn>
+                        </p:par>
+                      </p:childTnLst>
+                    </p:cTn>
+                  </p:par>
+                  <p:par>
+                    <p:cTn id="39" fill="hold">
+                      <p:stCondLst>
+                        <p:cond delay="indefinite"/>
+                      </p:stCondLst>
+                      <p:childTnLst>
+                        <p:par>
+                          <p:cTn id="40" fill="hold">
+                            <p:stCondLst>
+                              <p:cond delay="0"/>
+                            </p:stCondLst>
+                            <p:childTnLst>
+                              <p:par>
+                                <p:cTn id="41" presetID="1" presetClass="entr" presetSubtype="0" fill="hold" grpId="0" nodeType="clickEffect">
+                                  <p:stCondLst>
+                                    <p:cond delay="0"/>
+                                  </p:stCondLst>
+                                  <p:childTnLst>
+                                    <p:set>
+                                      <p:cBhvr>
+                                        <p:cTn id="42" dur="1" fill="hold">
+                                          <p:stCondLst>
+                                            <p:cond delay="0"/>
+                                          </p:stCondLst>
+                                        </p:cTn>
+                                        <p:tgtEl>
+                                          <p:spTgt spid="3">
+                                            <p:txEl>
+                                              <p:pRg st="6" end="6"/>
+                                            </p:txEl>
+                                          </p:spTgt>
                                         </p:tgtEl>
                                         <p:attrNameLst>
                                           <p:attrName>style.visibility</p:attrName>
@@ -7773,13 +6061,12 @@
       <p:bldP spid="5" grpId="0"/>
       <p:bldP spid="6" grpId="0"/>
       <p:bldP spid="9" grpId="0"/>
-      <p:bldP spid="10" grpId="0"/>
     </p:bldLst>
   </p:timing>
 </p:sld>
 </file>
 
-<file path=ppt/slides/slide21.xml><?xml version="1.0" encoding="utf-8"?>
+<file path=ppt/slides/slide17.xml><?xml version="1.0" encoding="utf-8"?>
 <p:sld xmlns:a="http://schemas.openxmlformats.org/drawingml/2006/main" xmlns:r="http://schemas.openxmlformats.org/officeDocument/2006/relationships" xmlns:p="http://schemas.openxmlformats.org/presentationml/2006/main">
   <p:cSld>
     <p:spTree>
@@ -8094,7 +6381,7 @@
 </p:sld>
 </file>
 
-<file path=ppt/slides/slide22.xml><?xml version="1.0" encoding="utf-8"?>
+<file path=ppt/slides/slide18.xml><?xml version="1.0" encoding="utf-8"?>
 <p:sld xmlns:a="http://schemas.openxmlformats.org/drawingml/2006/main" xmlns:r="http://schemas.openxmlformats.org/officeDocument/2006/relationships" xmlns:p="http://schemas.openxmlformats.org/presentationml/2006/main">
   <p:cSld>
     <p:spTree>
@@ -8128,7 +6415,18 @@
           <a:p>
             <a:r>
               <a:rPr lang="en-US" dirty="0" smtClean="0"/>
-              <a:t>Beauty?</a:t>
+              <a:t>Beauty</a:t>
+            </a:r>
+            <a:r>
+              <a:rPr lang="en-US" dirty="0"/>
+              <a:t>?</a:t>
+            </a:r>
+            <a:br>
+              <a:rPr lang="en-US" dirty="0"/>
+            </a:br>
+            <a:r>
+              <a:rPr lang="en-US" dirty="0" smtClean="0"/>
+              <a:t>Aesthetics matter!</a:t>
             </a:r>
             <a:endParaRPr lang="en-US" dirty="0"/>
           </a:p>
@@ -8149,10 +6447,7 @@
           <a:bodyPr/>
           <a:lstStyle/>
           <a:p>
-            <a:r>
-              <a:rPr lang="en-US" dirty="0" smtClean="0"/>
-              <a:t>Do aesthetics matter?</a:t>
-            </a:r>
+            <a:endParaRPr lang="en-US" dirty="0" smtClean="0"/>
           </a:p>
           <a:p>
             <a:endParaRPr lang="en-US" dirty="0" smtClean="0"/>
@@ -8407,7 +6702,7 @@
 </p:sld>
 </file>
 
-<file path=ppt/slides/slide23.xml><?xml version="1.0" encoding="utf-8"?>
+<file path=ppt/slides/slide19.xml><?xml version="1.0" encoding="utf-8"?>
 <p:sld xmlns:a="http://schemas.openxmlformats.org/drawingml/2006/main" xmlns:r="http://schemas.openxmlformats.org/officeDocument/2006/relationships" xmlns:p="http://schemas.openxmlformats.org/presentationml/2006/main">
   <p:cSld>
     <p:spTree>
@@ -8514,7 +6809,340 @@
 </p:sld>
 </file>
 
-<file path=ppt/slides/slide24.xml><?xml version="1.0" encoding="utf-8"?>
+<file path=ppt/slides/slide2.xml><?xml version="1.0" encoding="utf-8"?>
+<p:sld xmlns:a="http://schemas.openxmlformats.org/drawingml/2006/main" xmlns:r="http://schemas.openxmlformats.org/officeDocument/2006/relationships" xmlns:p="http://schemas.openxmlformats.org/presentationml/2006/main">
+  <p:cSld>
+    <p:spTree>
+      <p:nvGrpSpPr>
+        <p:cNvPr id="1" name=""/>
+        <p:cNvGrpSpPr/>
+        <p:nvPr/>
+      </p:nvGrpSpPr>
+      <p:grpSpPr>
+        <a:xfrm>
+          <a:off x="0" y="0"/>
+          <a:ext cx="0" cy="0"/>
+          <a:chOff x="0" y="0"/>
+          <a:chExt cx="0" cy="0"/>
+        </a:xfrm>
+      </p:grpSpPr>
+      <p:sp>
+        <p:nvSpPr>
+          <p:cNvPr id="4" name="Title 3"/>
+          <p:cNvSpPr>
+            <a:spLocks noGrp="1"/>
+          </p:cNvSpPr>
+          <p:nvPr>
+            <p:ph type="title"/>
+          </p:nvPr>
+        </p:nvSpPr>
+        <p:spPr/>
+        <p:txBody>
+          <a:bodyPr/>
+          <a:lstStyle/>
+          <a:p>
+            <a:r>
+              <a:rPr lang="en-US" dirty="0" smtClean="0"/>
+              <a:t>Why are you here?</a:t>
+            </a:r>
+            <a:endParaRPr lang="en-US" dirty="0"/>
+          </a:p>
+        </p:txBody>
+      </p:sp>
+      <p:sp>
+        <p:nvSpPr>
+          <p:cNvPr id="5" name="Content Placeholder 4"/>
+          <p:cNvSpPr>
+            <a:spLocks noGrp="1"/>
+          </p:cNvSpPr>
+          <p:nvPr>
+            <p:ph idx="1"/>
+          </p:nvPr>
+        </p:nvSpPr>
+        <p:spPr/>
+        <p:txBody>
+          <a:bodyPr/>
+          <a:lstStyle/>
+          <a:p>
+            <a:r>
+              <a:rPr lang="en-US" dirty="0" smtClean="0"/>
+              <a:t>What motivated you to become a chemical/environmental/biological/civil/ mechanical engineer?</a:t>
+            </a:r>
+          </a:p>
+          <a:p>
+            <a:r>
+              <a:rPr lang="en-US" dirty="0" smtClean="0"/>
+              <a:t>How important is passion or a connection with meaning in your choice of a career?</a:t>
+            </a:r>
+          </a:p>
+          <a:p>
+            <a:r>
+              <a:rPr lang="en-US" dirty="0" smtClean="0"/>
+              <a:t>What will motivate you to get up and go to work every weekday morning?</a:t>
+            </a:r>
+          </a:p>
+          <a:p>
+            <a:r>
+              <a:rPr lang="en-US" dirty="0" smtClean="0"/>
+              <a:t>What kind of </a:t>
+            </a:r>
+            <a:r>
+              <a:rPr lang="en-US" dirty="0" smtClean="0"/>
+              <a:t>design </a:t>
+            </a:r>
+            <a:r>
+              <a:rPr lang="en-US" dirty="0" smtClean="0"/>
+              <a:t>project do you want to do?</a:t>
+            </a:r>
+          </a:p>
+        </p:txBody>
+      </p:sp>
+    </p:spTree>
+    <p:extLst>
+      <p:ext uri="{BB962C8B-B14F-4D97-AF65-F5344CB8AC3E}">
+        <p14:creationId xmlns:p14="http://schemas.microsoft.com/office/powerpoint/2010/main" val="1599879206"/>
+      </p:ext>
+    </p:extLst>
+  </p:cSld>
+  <p:clrMapOvr>
+    <a:masterClrMapping/>
+  </p:clrMapOvr>
+  <p:transition>
+    <p:fade/>
+  </p:transition>
+  <p:timing>
+    <p:tnLst>
+      <p:par>
+        <p:cTn id="1" dur="indefinite" restart="never" nodeType="tmRoot">
+          <p:childTnLst>
+            <p:seq concurrent="1" nextAc="seek">
+              <p:cTn id="2" dur="indefinite" nodeType="mainSeq">
+                <p:childTnLst>
+                  <p:par>
+                    <p:cTn id="3" fill="hold">
+                      <p:stCondLst>
+                        <p:cond delay="indefinite"/>
+                      </p:stCondLst>
+                      <p:childTnLst>
+                        <p:par>
+                          <p:cTn id="4" fill="hold">
+                            <p:stCondLst>
+                              <p:cond delay="0"/>
+                            </p:stCondLst>
+                            <p:childTnLst>
+                              <p:par>
+                                <p:cTn id="5" presetID="1" presetClass="entr" presetSubtype="0" fill="hold" grpId="0" nodeType="clickEffect">
+                                  <p:stCondLst>
+                                    <p:cond delay="0"/>
+                                  </p:stCondLst>
+                                  <p:childTnLst>
+                                    <p:set>
+                                      <p:cBhvr>
+                                        <p:cTn id="6" dur="1" fill="hold">
+                                          <p:stCondLst>
+                                            <p:cond delay="0"/>
+                                          </p:stCondLst>
+                                        </p:cTn>
+                                        <p:tgtEl>
+                                          <p:spTgt spid="5">
+                                            <p:txEl>
+                                              <p:pRg st="0" end="0"/>
+                                            </p:txEl>
+                                          </p:spTgt>
+                                        </p:tgtEl>
+                                        <p:attrNameLst>
+                                          <p:attrName>style.visibility</p:attrName>
+                                        </p:attrNameLst>
+                                      </p:cBhvr>
+                                      <p:to>
+                                        <p:strVal val="visible"/>
+                                      </p:to>
+                                    </p:set>
+                                  </p:childTnLst>
+                                </p:cTn>
+                              </p:par>
+                            </p:childTnLst>
+                          </p:cTn>
+                        </p:par>
+                      </p:childTnLst>
+                    </p:cTn>
+                  </p:par>
+                  <p:par>
+                    <p:cTn id="7" fill="hold">
+                      <p:stCondLst>
+                        <p:cond delay="indefinite"/>
+                      </p:stCondLst>
+                      <p:childTnLst>
+                        <p:par>
+                          <p:cTn id="8" fill="hold">
+                            <p:stCondLst>
+                              <p:cond delay="0"/>
+                            </p:stCondLst>
+                            <p:childTnLst>
+                              <p:par>
+                                <p:cTn id="9" presetID="1" presetClass="entr" presetSubtype="0" fill="hold" grpId="0" nodeType="clickEffect">
+                                  <p:stCondLst>
+                                    <p:cond delay="0"/>
+                                  </p:stCondLst>
+                                  <p:childTnLst>
+                                    <p:set>
+                                      <p:cBhvr>
+                                        <p:cTn id="10" dur="1" fill="hold">
+                                          <p:stCondLst>
+                                            <p:cond delay="0"/>
+                                          </p:stCondLst>
+                                        </p:cTn>
+                                        <p:tgtEl>
+                                          <p:spTgt spid="5">
+                                            <p:txEl>
+                                              <p:pRg st="1" end="1"/>
+                                            </p:txEl>
+                                          </p:spTgt>
+                                        </p:tgtEl>
+                                        <p:attrNameLst>
+                                          <p:attrName>style.visibility</p:attrName>
+                                        </p:attrNameLst>
+                                      </p:cBhvr>
+                                      <p:to>
+                                        <p:strVal val="visible"/>
+                                      </p:to>
+                                    </p:set>
+                                  </p:childTnLst>
+                                </p:cTn>
+                              </p:par>
+                            </p:childTnLst>
+                          </p:cTn>
+                        </p:par>
+                      </p:childTnLst>
+                    </p:cTn>
+                  </p:par>
+                  <p:par>
+                    <p:cTn id="11" fill="hold">
+                      <p:stCondLst>
+                        <p:cond delay="indefinite"/>
+                      </p:stCondLst>
+                      <p:childTnLst>
+                        <p:par>
+                          <p:cTn id="12" fill="hold">
+                            <p:stCondLst>
+                              <p:cond delay="0"/>
+                            </p:stCondLst>
+                            <p:childTnLst>
+                              <p:par>
+                                <p:cTn id="13" presetID="1" presetClass="entr" presetSubtype="0" fill="hold" grpId="0" nodeType="clickEffect">
+                                  <p:stCondLst>
+                                    <p:cond delay="0"/>
+                                  </p:stCondLst>
+                                  <p:childTnLst>
+                                    <p:set>
+                                      <p:cBhvr>
+                                        <p:cTn id="14" dur="1" fill="hold">
+                                          <p:stCondLst>
+                                            <p:cond delay="0"/>
+                                          </p:stCondLst>
+                                        </p:cTn>
+                                        <p:tgtEl>
+                                          <p:spTgt spid="5">
+                                            <p:txEl>
+                                              <p:pRg st="2" end="2"/>
+                                            </p:txEl>
+                                          </p:spTgt>
+                                        </p:tgtEl>
+                                        <p:attrNameLst>
+                                          <p:attrName>style.visibility</p:attrName>
+                                        </p:attrNameLst>
+                                      </p:cBhvr>
+                                      <p:to>
+                                        <p:strVal val="visible"/>
+                                      </p:to>
+                                    </p:set>
+                                  </p:childTnLst>
+                                </p:cTn>
+                              </p:par>
+                            </p:childTnLst>
+                          </p:cTn>
+                        </p:par>
+                      </p:childTnLst>
+                    </p:cTn>
+                  </p:par>
+                  <p:par>
+                    <p:cTn id="15" fill="hold">
+                      <p:stCondLst>
+                        <p:cond delay="indefinite"/>
+                      </p:stCondLst>
+                      <p:childTnLst>
+                        <p:par>
+                          <p:cTn id="16" fill="hold">
+                            <p:stCondLst>
+                              <p:cond delay="0"/>
+                            </p:stCondLst>
+                            <p:childTnLst>
+                              <p:par>
+                                <p:cTn id="17" presetID="1" presetClass="entr" presetSubtype="0" fill="hold" grpId="0" nodeType="clickEffect">
+                                  <p:stCondLst>
+                                    <p:cond delay="0"/>
+                                  </p:stCondLst>
+                                  <p:childTnLst>
+                                    <p:set>
+                                      <p:cBhvr>
+                                        <p:cTn id="18" dur="1" fill="hold">
+                                          <p:stCondLst>
+                                            <p:cond delay="0"/>
+                                          </p:stCondLst>
+                                        </p:cTn>
+                                        <p:tgtEl>
+                                          <p:spTgt spid="5">
+                                            <p:txEl>
+                                              <p:pRg st="3" end="3"/>
+                                            </p:txEl>
+                                          </p:spTgt>
+                                        </p:tgtEl>
+                                        <p:attrNameLst>
+                                          <p:attrName>style.visibility</p:attrName>
+                                        </p:attrNameLst>
+                                      </p:cBhvr>
+                                      <p:to>
+                                        <p:strVal val="visible"/>
+                                      </p:to>
+                                    </p:set>
+                                  </p:childTnLst>
+                                </p:cTn>
+                              </p:par>
+                            </p:childTnLst>
+                          </p:cTn>
+                        </p:par>
+                      </p:childTnLst>
+                    </p:cTn>
+                  </p:par>
+                </p:childTnLst>
+              </p:cTn>
+              <p:prevCondLst>
+                <p:cond evt="onPrev" delay="0">
+                  <p:tgtEl>
+                    <p:sldTgt/>
+                  </p:tgtEl>
+                </p:cond>
+              </p:prevCondLst>
+              <p:nextCondLst>
+                <p:cond evt="onNext" delay="0">
+                  <p:tgtEl>
+                    <p:sldTgt/>
+                  </p:tgtEl>
+                </p:cond>
+              </p:nextCondLst>
+            </p:seq>
+          </p:childTnLst>
+        </p:cTn>
+      </p:par>
+    </p:tnLst>
+    <p:bldLst>
+      <p:bldP spid="5" grpId="0" build="p"/>
+    </p:bldLst>
+  </p:timing>
+</p:sld>
+</file>
+
+<file path=ppt/slides/slide20.xml><?xml version="1.0" encoding="utf-8"?>
 <p:sld xmlns:a="http://schemas.openxmlformats.org/drawingml/2006/main" xmlns:r="http://schemas.openxmlformats.org/officeDocument/2006/relationships" xmlns:p="http://schemas.openxmlformats.org/presentationml/2006/main">
   <p:cSld>
     <p:spTree>
@@ -8707,7 +7335,7 @@
 </p:sld>
 </file>
 
-<file path=ppt/slides/slide25.xml><?xml version="1.0" encoding="utf-8"?>
+<file path=ppt/slides/slide21.xml><?xml version="1.0" encoding="utf-8"?>
 <p:sld xmlns:a="http://schemas.openxmlformats.org/drawingml/2006/main" xmlns:r="http://schemas.openxmlformats.org/officeDocument/2006/relationships" xmlns:p="http://schemas.openxmlformats.org/presentationml/2006/main">
   <p:cSld>
     <p:spTree>
@@ -8816,7 +7444,7 @@
 </p:sld>
 </file>
 
-<file path=ppt/slides/slide26.xml><?xml version="1.0" encoding="utf-8"?>
+<file path=ppt/slides/slide22.xml><?xml version="1.0" encoding="utf-8"?>
 <p:sld xmlns:a="http://schemas.openxmlformats.org/drawingml/2006/main" xmlns:r="http://schemas.openxmlformats.org/officeDocument/2006/relationships" xmlns:p="http://schemas.openxmlformats.org/presentationml/2006/main">
   <p:cSld>
     <p:spTree>
@@ -8943,7 +7571,7 @@
 </p:sld>
 </file>
 
-<file path=ppt/slides/slide27.xml><?xml version="1.0" encoding="utf-8"?>
+<file path=ppt/slides/slide23.xml><?xml version="1.0" encoding="utf-8"?>
 <p:sld xmlns:a="http://schemas.openxmlformats.org/drawingml/2006/main" xmlns:r="http://schemas.openxmlformats.org/officeDocument/2006/relationships" xmlns:p="http://schemas.openxmlformats.org/presentationml/2006/main">
   <p:cSld>
     <p:spTree>
@@ -9004,11 +7632,15 @@
             </a:r>
             <a:r>
               <a:rPr lang="en-US" dirty="0" err="1" smtClean="0"/>
-              <a:t>aide_design</a:t>
-            </a:r>
-            <a:r>
-              <a:rPr lang="en-US" dirty="0" smtClean="0"/>
-              <a:t> code as needed. No need to recreate the code. </a:t>
+              <a:t>aguaclara</a:t>
+            </a:r>
+            <a:r>
+              <a:rPr lang="en-US" dirty="0" smtClean="0"/>
+              <a:t> </a:t>
+            </a:r>
+            <a:r>
+              <a:rPr lang="en-US" dirty="0" smtClean="0"/>
+              <a:t>code as needed. No need to recreate the code. </a:t>
             </a:r>
           </a:p>
           <a:p>
@@ -9038,7 +7670,7 @@
 </p:sld>
 </file>
 
-<file path=ppt/slides/slide28.xml><?xml version="1.0" encoding="utf-8"?>
+<file path=ppt/slides/slide24.xml><?xml version="1.0" encoding="utf-8"?>
 <p:sld xmlns:a="http://schemas.openxmlformats.org/drawingml/2006/main" xmlns:r="http://schemas.openxmlformats.org/officeDocument/2006/relationships" xmlns:p="http://schemas.openxmlformats.org/presentationml/2006/main">
   <p:cSld>
     <p:spTree>
@@ -9075,12 +7707,8 @@
               <a:t>…write in </a:t>
             </a:r>
             <a:r>
-              <a:rPr lang="en-US" dirty="0" err="1" smtClean="0"/>
-              <a:t>Jupyter</a:t>
-            </a:r>
-            <a:r>
-              <a:rPr lang="en-US" dirty="0" smtClean="0"/>
-              <a:t>?</a:t>
+              <a:rPr lang="en-US" dirty="0" smtClean="0"/>
+              <a:t>Markdown</a:t>
             </a:r>
             <a:endParaRPr lang="en-US" dirty="0"/>
           </a:p>
@@ -9121,7 +7749,11 @@
           <a:p>
             <a:r>
               <a:rPr lang="en-US" dirty="0" smtClean="0"/>
-              <a:t>Make sure someone from your team proofreads the entire document before submission</a:t>
+              <a:t>Proofread </a:t>
+            </a:r>
+            <a:r>
+              <a:rPr lang="en-US" dirty="0" smtClean="0"/>
+              <a:t>the entire document before submission</a:t>
             </a:r>
           </a:p>
           <a:p>
@@ -9195,7 +7827,7 @@
           <a:p>
             <a:r>
               <a:rPr lang="en-US" dirty="0" smtClean="0"/>
-              <a:t>Previous Capstone Ideas</a:t>
+              <a:t>History of Projects</a:t>
             </a:r>
             <a:endParaRPr lang="en-US" dirty="0"/>
           </a:p>
@@ -9354,8 +7986,12 @@
           <a:lstStyle/>
           <a:p>
             <a:r>
-              <a:rPr lang="en-US" dirty="0" smtClean="0"/>
-              <a:t>3 New initiatives</a:t>
+              <a:rPr lang="en-US" dirty="0"/>
+              <a:t>The opportunities for learning new things are </a:t>
+            </a:r>
+            <a:r>
+              <a:rPr lang="en-US" dirty="0" smtClean="0"/>
+              <a:t>incredible</a:t>
             </a:r>
             <a:endParaRPr lang="en-US" dirty="0"/>
           </a:p>
@@ -9377,60 +8013,32 @@
           <a:lstStyle/>
           <a:p>
             <a:r>
-              <a:rPr lang="en-US" sz="2800" dirty="0" smtClean="0"/>
-              <a:t>Create a plan to provide safe water to small communities in </a:t>
+              <a:rPr lang="en-US" dirty="0" smtClean="0"/>
+              <a:t>It is a very short walk to the edge of knowledge</a:t>
+            </a:r>
+          </a:p>
+          <a:p>
+            <a:r>
+              <a:rPr lang="en-US" dirty="0" smtClean="0"/>
+              <a:t>There is always potential for evolution in theory, design, and practice</a:t>
+            </a:r>
+          </a:p>
+          <a:p>
+            <a:r>
+              <a:rPr lang="en-US" dirty="0" smtClean="0"/>
+              <a:t>Evolution doesn’t necessarily take you to the best solution!</a:t>
             </a:r>
           </a:p>
           <a:p>
             <a:pPr lvl="1"/>
-            <a:r>
-              <a:rPr lang="en-US" sz="2400" dirty="0" smtClean="0"/>
-              <a:t>Puerto Rico (a general island wide diagnosis)</a:t>
-            </a:r>
-          </a:p>
-          <a:p>
-            <a:pPr lvl="1"/>
-            <a:r>
-              <a:rPr lang="en-US" sz="2400" dirty="0" smtClean="0"/>
-              <a:t>Bolivia – several towns on an island</a:t>
-            </a:r>
-          </a:p>
-          <a:p>
-            <a:pPr lvl="1"/>
-            <a:r>
-              <a:rPr lang="en-US" sz="2400" dirty="0" smtClean="0"/>
-              <a:t>Colombia – rural town</a:t>
-            </a:r>
-          </a:p>
-          <a:p>
-            <a:r>
-              <a:rPr lang="en-US" sz="2800" dirty="0" err="1" smtClean="0"/>
-              <a:t>Aide_Design</a:t>
-            </a:r>
-            <a:endParaRPr lang="en-US" sz="2800" dirty="0" smtClean="0"/>
-          </a:p>
-          <a:p>
-            <a:r>
-              <a:rPr lang="en-US" sz="2800" dirty="0" smtClean="0"/>
-              <a:t>Non-linear </a:t>
-            </a:r>
-            <a:r>
-              <a:rPr lang="en-US" sz="2800" dirty="0"/>
-              <a:t>CDC for simplified chemical dosing for small flows. Variable dosing valve to replace slider on CDC to simplify small systems.</a:t>
-            </a:r>
-          </a:p>
-          <a:p>
-            <a:endParaRPr lang="en-US" sz="2800" dirty="0" smtClean="0"/>
-          </a:p>
-          <a:p>
-            <a:endParaRPr lang="en-US" sz="2800" dirty="0"/>
+            <a:endParaRPr lang="en-US" dirty="0" smtClean="0"/>
           </a:p>
         </p:txBody>
       </p:sp>
     </p:spTree>
     <p:extLst>
       <p:ext uri="{BB962C8B-B14F-4D97-AF65-F5344CB8AC3E}">
-        <p14:creationId xmlns:p14="http://schemas.microsoft.com/office/powerpoint/2010/main" val="3891992431"/>
+        <p14:creationId xmlns:p14="http://schemas.microsoft.com/office/powerpoint/2010/main" val="1190213069"/>
       </p:ext>
     </p:extLst>
   </p:cSld>
@@ -9483,10 +8091,10 @@
           <a:lstStyle/>
           <a:p>
             <a:r>
-              <a:rPr lang="en-US" dirty="0" smtClean="0"/>
-              <a:t>AIDE Design Modules</a:t>
-            </a:r>
-            <a:endParaRPr lang="en-US" dirty="0"/>
+              <a:rPr lang="en-US" sz="3600" dirty="0" smtClean="0"/>
+              <a:t>Major improvements to water treatment technologies are still possible! </a:t>
+            </a:r>
+            <a:endParaRPr lang="en-US" sz="3600" dirty="0"/>
           </a:p>
         </p:txBody>
       </p:sp>
@@ -9506,146 +8114,104 @@
           <a:lstStyle/>
           <a:p>
             <a:r>
-              <a:rPr lang="en-US" sz="1400" dirty="0" smtClean="0"/>
-              <a:t>Entrance </a:t>
-            </a:r>
-            <a:r>
-              <a:rPr lang="en-US" sz="1400" dirty="0"/>
-              <a:t>Tank </a:t>
+              <a:rPr lang="en-US" dirty="0"/>
+              <a:t>Innovation can be a big break from evolution (or from state-of-the-art) </a:t>
             </a:r>
           </a:p>
           <a:p>
             <a:pPr lvl="1"/>
             <a:r>
-              <a:rPr lang="en-US" sz="1200" dirty="0"/>
-              <a:t>PVC design for flows from 1-5 L/s</a:t>
+              <a:rPr lang="en-US" dirty="0" smtClean="0"/>
+              <a:t>Dose controller</a:t>
             </a:r>
           </a:p>
           <a:p>
             <a:pPr lvl="1"/>
             <a:r>
-              <a:rPr lang="en-US" sz="1200" dirty="0"/>
-              <a:t>civil works design for flows from 6-60 L/s</a:t>
-            </a:r>
-          </a:p>
-          <a:p>
-            <a:r>
-              <a:rPr lang="en-US" sz="1400" dirty="0"/>
-              <a:t>Flocculator</a:t>
+              <a:rPr lang="en-US" dirty="0" smtClean="0"/>
+              <a:t>Stacked rapid sand filters</a:t>
+            </a:r>
+          </a:p>
+          <a:p>
+            <a:r>
+              <a:rPr lang="en-US" dirty="0" smtClean="0"/>
+              <a:t>Dramatic changes in design targets (</a:t>
+            </a:r>
+            <a:r>
+              <a:rPr lang="en-US" dirty="0" err="1" smtClean="0"/>
+              <a:t>W</a:t>
+            </a:r>
+            <a:r>
+              <a:rPr lang="en-US" baseline="-25000" dirty="0" err="1" smtClean="0"/>
+              <a:t>Sed</a:t>
+            </a:r>
+            <a:r>
+              <a:rPr lang="en-US" dirty="0" smtClean="0"/>
+              <a:t>, </a:t>
+            </a:r>
+            <a:r>
+              <a:rPr lang="en-US" dirty="0" err="1" smtClean="0"/>
+              <a:t>V</a:t>
+            </a:r>
+            <a:r>
+              <a:rPr lang="en-US" baseline="-25000" dirty="0" err="1" smtClean="0"/>
+              <a:t>Sedup</a:t>
+            </a:r>
+            <a:r>
+              <a:rPr lang="en-US" dirty="0" smtClean="0"/>
+              <a:t>, </a:t>
+            </a:r>
+            <a:r>
+              <a:rPr lang="en-US" dirty="0" err="1" smtClean="0"/>
+              <a:t>V</a:t>
+            </a:r>
+            <a:r>
+              <a:rPr lang="en-US" baseline="-25000" dirty="0" err="1" smtClean="0"/>
+              <a:t>c</a:t>
+            </a:r>
+            <a:r>
+              <a:rPr lang="en-US" dirty="0" smtClean="0"/>
+              <a:t>, </a:t>
+            </a:r>
+            <a:r>
+              <a:rPr lang="en-US" dirty="0" err="1" smtClean="0">
+                <a:ea typeface="SimHei" pitchFamily="49" charset="-122"/>
+              </a:rPr>
+              <a:t>G</a:t>
+            </a:r>
+            <a:r>
+              <a:rPr lang="en-US" baseline="-25000" dirty="0" err="1" smtClean="0"/>
+              <a:t>Floc</a:t>
+            </a:r>
+            <a:r>
+              <a:rPr lang="en-US" dirty="0" smtClean="0"/>
+              <a:t>, depth of floc blanket)</a:t>
+            </a:r>
+          </a:p>
+          <a:p>
+            <a:r>
+              <a:rPr lang="en-US" dirty="0" smtClean="0"/>
+              <a:t>Try extreme conditions and learn what fails or perhaps find unexpected success</a:t>
+            </a:r>
+            <a:r>
+              <a:rPr lang="en-US" dirty="0" smtClean="0"/>
+              <a:t>!</a:t>
             </a:r>
           </a:p>
           <a:p>
             <a:pPr lvl="1"/>
             <a:r>
-              <a:rPr lang="en-US" sz="1200" dirty="0"/>
-              <a:t>10-100 L/s (vertical flow in channels)</a:t>
-            </a:r>
-          </a:p>
-          <a:p>
-            <a:pPr lvl="1"/>
-            <a:r>
-              <a:rPr lang="en-US" sz="1200" dirty="0"/>
-              <a:t>1-5 L/s (pipe flocculators): cost comparison of H=D (baffles separated by distance S) and S=D (baffles separated by distance H) designs</a:t>
-            </a:r>
-          </a:p>
-          <a:p>
-            <a:r>
-              <a:rPr lang="en-US" sz="1400" dirty="0"/>
-              <a:t>Sedimentation tank (civil work)</a:t>
-            </a:r>
-          </a:p>
-          <a:p>
-            <a:pPr lvl="1"/>
-            <a:r>
-              <a:rPr lang="en-US" sz="1200" dirty="0"/>
-              <a:t>channel design from flocculator to filters (flows from 6-60 L/s)</a:t>
-            </a:r>
-          </a:p>
-          <a:p>
-            <a:pPr lvl="1"/>
-            <a:r>
-              <a:rPr lang="en-US" sz="1200" dirty="0"/>
-              <a:t>remainder of sedimentation tank (6 m long </a:t>
-            </a:r>
-            <a:r>
-              <a:rPr lang="en-US" sz="1200" dirty="0" smtClean="0"/>
-              <a:t>floc blanket zone</a:t>
-            </a:r>
-            <a:r>
-              <a:rPr lang="en-US" sz="1200" dirty="0"/>
-              <a:t>)</a:t>
-            </a:r>
-          </a:p>
-          <a:p>
-            <a:r>
-              <a:rPr lang="en-US" sz="1400" dirty="0"/>
-              <a:t>Sedimentation tank (PVC pipe) for about 1 L/s</a:t>
-            </a:r>
-          </a:p>
-          <a:p>
-            <a:r>
-              <a:rPr lang="en-US" sz="1400" dirty="0" err="1"/>
-              <a:t>OStaRS</a:t>
-            </a:r>
-            <a:r>
-              <a:rPr lang="en-US" sz="1400" dirty="0"/>
-              <a:t> (open stacked rapid sand filter) (8 to about 25 L/s per filter)</a:t>
-            </a:r>
-          </a:p>
-          <a:p>
-            <a:pPr lvl="1"/>
-            <a:r>
-              <a:rPr lang="en-US" sz="1200" dirty="0"/>
-              <a:t>Entrance/Exit tanks including flow control weir</a:t>
-            </a:r>
-          </a:p>
-          <a:p>
-            <a:pPr lvl="1"/>
-            <a:r>
-              <a:rPr lang="en-US" sz="1200" dirty="0"/>
-              <a:t>Filter box with manifolds, slotted pipes, and winged pipes</a:t>
-            </a:r>
-          </a:p>
-          <a:p>
-            <a:r>
-              <a:rPr lang="en-US" sz="1400" dirty="0" err="1"/>
-              <a:t>EStaRS</a:t>
-            </a:r>
-            <a:r>
-              <a:rPr lang="en-US" sz="1400" dirty="0"/>
-              <a:t> (enclosed stacked rapid sand filter) PVC pipe</a:t>
-            </a:r>
-          </a:p>
-          <a:p>
-            <a:pPr lvl="1"/>
-            <a:r>
-              <a:rPr lang="en-US" sz="1200" dirty="0"/>
-              <a:t>12 inch diameter filter</a:t>
-            </a:r>
-          </a:p>
-          <a:p>
-            <a:pPr lvl="1"/>
-            <a:r>
-              <a:rPr lang="en-US" sz="1200" dirty="0"/>
-              <a:t>24 inch diameter filter</a:t>
-            </a:r>
-          </a:p>
-          <a:p>
-            <a:pPr lvl="1"/>
-            <a:r>
-              <a:rPr lang="en-US" sz="1200" dirty="0"/>
-              <a:t>36 inch diameter filter</a:t>
-            </a:r>
-          </a:p>
-          <a:p>
-            <a:endParaRPr lang="en-US" sz="1400" dirty="0"/>
+              <a:rPr lang="en-US" dirty="0" smtClean="0"/>
+              <a:t>Settlers and diffusers!</a:t>
+            </a:r>
+            <a:endParaRPr lang="en-US" dirty="0" smtClean="0"/>
           </a:p>
         </p:txBody>
       </p:sp>
     </p:spTree>
     <p:extLst>
       <p:ext uri="{BB962C8B-B14F-4D97-AF65-F5344CB8AC3E}">
-        <p14:creationId xmlns:p14="http://schemas.microsoft.com/office/powerpoint/2010/main" val="3251136250"/>
+        <p14:creationId xmlns:p14="http://schemas.microsoft.com/office/powerpoint/2010/main" val="2751581490"/>
       </p:ext>
     </p:extLst>
   </p:cSld>
@@ -9684,7 +8250,7 @@
       </p:grpSpPr>
       <p:sp>
         <p:nvSpPr>
-          <p:cNvPr id="2" name="Title 1"/>
+          <p:cNvPr id="3" name="Title 2"/>
           <p:cNvSpPr>
             <a:spLocks noGrp="1"/>
           </p:cNvSpPr>
@@ -9698,8 +8264,8 @@
           <a:lstStyle/>
           <a:p>
             <a:r>
-              <a:rPr lang="en-US" dirty="0" err="1" smtClean="0"/>
-              <a:t>AIDE_Design</a:t>
+              <a:rPr lang="en-US" dirty="0" smtClean="0"/>
+              <a:t>Invention are born in a context</a:t>
             </a:r>
             <a:endParaRPr lang="en-US" dirty="0"/>
           </a:p>
@@ -9707,7 +8273,7 @@
       </p:sp>
       <p:sp>
         <p:nvSpPr>
-          <p:cNvPr id="3" name="Content Placeholder 2"/>
+          <p:cNvPr id="4" name="Content Placeholder 3"/>
           <p:cNvSpPr>
             <a:spLocks noGrp="1"/>
           </p:cNvSpPr>
@@ -9722,35 +8288,20 @@
           <a:p>
             <a:r>
               <a:rPr lang="en-US" dirty="0" smtClean="0"/>
-              <a:t>Identify </a:t>
-            </a:r>
-            <a:r>
-              <a:rPr lang="en-US" dirty="0"/>
-              <a:t>all of the constraints that you will use for the design.</a:t>
-            </a:r>
-          </a:p>
-          <a:p>
-            <a:r>
-              <a:rPr lang="en-US" dirty="0" smtClean="0"/>
-              <a:t>Identify a methodical step-by-step path to design the unit. </a:t>
-            </a:r>
-          </a:p>
-          <a:p>
-            <a:r>
-              <a:rPr lang="en-US" dirty="0" smtClean="0"/>
-              <a:t>Create </a:t>
-            </a:r>
-            <a:r>
-              <a:rPr lang="en-US" dirty="0"/>
-              <a:t>algorithms to turn the constraints into design </a:t>
-            </a:r>
-            <a:r>
-              <a:rPr lang="en-US" dirty="0" smtClean="0"/>
-              <a:t>specifications (dimensions).</a:t>
-            </a:r>
-            <a:endParaRPr lang="en-US" dirty="0"/>
-          </a:p>
-          <a:p>
+              <a:t>I never perfected an invention that I did not think about in terms of the service it might give others...I find out what the world needs, then I proceed to invent it. -Thomas Edison</a:t>
+            </a:r>
+          </a:p>
+          <a:p>
+            <a:r>
+              <a:rPr lang="en-US" dirty="0" smtClean="0"/>
+              <a:t>Learn the history and current state of the technology</a:t>
+            </a:r>
+          </a:p>
+          <a:p>
+            <a:r>
+              <a:rPr lang="en-US" dirty="0" smtClean="0"/>
+              <a:t>Then question it all and proceed to Invent</a:t>
+            </a:r>
             <a:endParaRPr lang="en-US" dirty="0"/>
           </a:p>
         </p:txBody>
@@ -9758,7 +8309,7 @@
     </p:spTree>
     <p:extLst>
       <p:ext uri="{BB962C8B-B14F-4D97-AF65-F5344CB8AC3E}">
-        <p14:creationId xmlns:p14="http://schemas.microsoft.com/office/powerpoint/2010/main" val="3858002574"/>
+        <p14:creationId xmlns:p14="http://schemas.microsoft.com/office/powerpoint/2010/main" val="502755371"/>
       </p:ext>
     </p:extLst>
   </p:cSld>
@@ -9811,12 +8362,8 @@
           <a:lstStyle/>
           <a:p>
             <a:r>
-              <a:rPr lang="en-US" dirty="0"/>
-              <a:t>The opportunities for learning new things are </a:t>
-            </a:r>
-            <a:r>
-              <a:rPr lang="en-US" dirty="0" smtClean="0"/>
-              <a:t>incredible</a:t>
+              <a:rPr lang="en-US" dirty="0" smtClean="0"/>
+              <a:t>Innovators Build Bridges between Networks</a:t>
             </a:r>
             <a:endParaRPr lang="en-US" dirty="0"/>
           </a:p>
@@ -9839,32 +8386,129 @@
           <a:p>
             <a:r>
               <a:rPr lang="en-US" dirty="0" smtClean="0"/>
-              <a:t>It is a very short walk to the edge of knowledge</a:t>
-            </a:r>
-          </a:p>
-          <a:p>
-            <a:r>
-              <a:rPr lang="en-US" dirty="0" smtClean="0"/>
-              <a:t>There is always potential for evolution in theory, design, and practice</a:t>
+              <a:t>Make connections with completely different networks</a:t>
             </a:r>
           </a:p>
           <a:p>
             <a:pPr lvl="1"/>
             <a:r>
               <a:rPr lang="en-US" dirty="0" smtClean="0"/>
-              <a:t>Evolution doesn’t necessarily take you to the best solution!</a:t>
+              <a:t>Get outside your social class, your country, your business, your university</a:t>
             </a:r>
           </a:p>
           <a:p>
             <a:pPr lvl="1"/>
-            <a:endParaRPr lang="en-US" dirty="0" smtClean="0"/>
+            <a:r>
+              <a:rPr lang="en-US" dirty="0" smtClean="0"/>
+              <a:t>Get diverse experiences, take things apart, experiment, fail, </a:t>
+            </a:r>
+            <a:r>
+              <a:rPr lang="en-US" b="1" dirty="0" smtClean="0"/>
+              <a:t>observe…</a:t>
+            </a:r>
+          </a:p>
+          <a:p>
+            <a:r>
+              <a:rPr lang="en-US" b="1" dirty="0" smtClean="0"/>
+              <a:t>Flocculate Ideas!</a:t>
+            </a:r>
+          </a:p>
+          <a:p>
+            <a:r>
+              <a:rPr lang="en-US" b="1" dirty="0" smtClean="0"/>
+              <a:t>Be a node!</a:t>
+            </a:r>
+          </a:p>
+          <a:p>
+            <a:endParaRPr lang="en-US" dirty="0"/>
+          </a:p>
+        </p:txBody>
+      </p:sp>
+      <p:pic>
+        <p:nvPicPr>
+          <p:cNvPr id="1026" name="Picture 2" descr="Image result for nodes in a network"/>
+          <p:cNvPicPr>
+            <a:picLocks noChangeAspect="1" noChangeArrowheads="1"/>
+          </p:cNvPicPr>
+          <p:nvPr/>
+        </p:nvPicPr>
+        <p:blipFill>
+          <a:blip r:embed="rId2">
+            <a:extLst>
+              <a:ext uri="{28A0092B-C50C-407E-A947-70E740481C1C}">
+                <a14:useLocalDpi xmlns:a14="http://schemas.microsoft.com/office/drawing/2010/main" val="0"/>
+              </a:ext>
+            </a:extLst>
+          </a:blip>
+          <a:srcRect/>
+          <a:stretch>
+            <a:fillRect/>
+          </a:stretch>
+        </p:blipFill>
+        <p:spPr bwMode="auto">
+          <a:xfrm>
+            <a:off x="6210300" y="4000500"/>
+            <a:ext cx="2857500" cy="2857500"/>
+          </a:xfrm>
+          <a:prstGeom prst="rect">
+            <a:avLst/>
+          </a:prstGeom>
+          <a:noFill/>
+          <a:extLst>
+            <a:ext uri="{909E8E84-426E-40DD-AFC4-6F175D3DCCD1}">
+              <a14:hiddenFill xmlns:a14="http://schemas.microsoft.com/office/drawing/2010/main">
+                <a:solidFill>
+                  <a:srgbClr val="FFFFFF"/>
+                </a:solidFill>
+              </a14:hiddenFill>
+            </a:ext>
+          </a:extLst>
+        </p:spPr>
+      </p:pic>
+      <p:sp>
+        <p:nvSpPr>
+          <p:cNvPr id="4" name="Oval 3"/>
+          <p:cNvSpPr/>
+          <p:nvPr/>
+        </p:nvSpPr>
+        <p:spPr>
+          <a:xfrm>
+            <a:off x="7210425" y="5219699"/>
+            <a:ext cx="238125" cy="257175"/>
+          </a:xfrm>
+          <a:prstGeom prst="ellipse">
+            <a:avLst/>
+          </a:prstGeom>
+        </p:spPr>
+        <p:style>
+          <a:lnRef idx="2">
+            <a:schemeClr val="accent1">
+              <a:shade val="50000"/>
+            </a:schemeClr>
+          </a:lnRef>
+          <a:fillRef idx="1">
+            <a:schemeClr val="accent1"/>
+          </a:fillRef>
+          <a:effectRef idx="0">
+            <a:schemeClr val="accent1"/>
+          </a:effectRef>
+          <a:fontRef idx="minor">
+            <a:schemeClr val="lt1"/>
+          </a:fontRef>
+        </p:style>
+        <p:txBody>
+          <a:bodyPr rtlCol="0" anchor="ctr"/>
+          <a:lstStyle/>
+          <a:p>
+            <a:pPr algn="ctr"/>
+            <a:endParaRPr lang="en-US"/>
           </a:p>
         </p:txBody>
       </p:sp>
     </p:spTree>
     <p:extLst>
       <p:ext uri="{BB962C8B-B14F-4D97-AF65-F5344CB8AC3E}">
-        <p14:creationId xmlns:p14="http://schemas.microsoft.com/office/powerpoint/2010/main" val="1190213069"/>
+        <p14:creationId xmlns:p14="http://schemas.microsoft.com/office/powerpoint/2010/main" val="1995786090"/>
       </p:ext>
     </p:extLst>
   </p:cSld>
@@ -9877,9 +8521,335 @@
   <p:timing>
     <p:tnLst>
       <p:par>
-        <p:cTn id="1" dur="indefinite" restart="never" nodeType="tmRoot"/>
+        <p:cTn id="1" dur="indefinite" restart="never" nodeType="tmRoot">
+          <p:childTnLst>
+            <p:seq concurrent="1" nextAc="seek">
+              <p:cTn id="2" dur="indefinite" nodeType="mainSeq">
+                <p:childTnLst>
+                  <p:par>
+                    <p:cTn id="3" fill="hold">
+                      <p:stCondLst>
+                        <p:cond delay="indefinite"/>
+                      </p:stCondLst>
+                      <p:childTnLst>
+                        <p:par>
+                          <p:cTn id="4" fill="hold">
+                            <p:stCondLst>
+                              <p:cond delay="0"/>
+                            </p:stCondLst>
+                            <p:childTnLst>
+                              <p:par>
+                                <p:cTn id="5" presetID="1" presetClass="entr" presetSubtype="0" fill="hold" grpId="0" nodeType="clickEffect">
+                                  <p:stCondLst>
+                                    <p:cond delay="0"/>
+                                  </p:stCondLst>
+                                  <p:childTnLst>
+                                    <p:set>
+                                      <p:cBhvr>
+                                        <p:cTn id="6" dur="1" fill="hold">
+                                          <p:stCondLst>
+                                            <p:cond delay="0"/>
+                                          </p:stCondLst>
+                                        </p:cTn>
+                                        <p:tgtEl>
+                                          <p:spTgt spid="3">
+                                            <p:txEl>
+                                              <p:pRg st="0" end="0"/>
+                                            </p:txEl>
+                                          </p:spTgt>
+                                        </p:tgtEl>
+                                        <p:attrNameLst>
+                                          <p:attrName>style.visibility</p:attrName>
+                                        </p:attrNameLst>
+                                      </p:cBhvr>
+                                      <p:to>
+                                        <p:strVal val="visible"/>
+                                      </p:to>
+                                    </p:set>
+                                  </p:childTnLst>
+                                </p:cTn>
+                              </p:par>
+                              <p:par>
+                                <p:cTn id="7" presetID="1" presetClass="entr" presetSubtype="0" fill="hold" grpId="0" nodeType="withEffect">
+                                  <p:stCondLst>
+                                    <p:cond delay="0"/>
+                                  </p:stCondLst>
+                                  <p:childTnLst>
+                                    <p:set>
+                                      <p:cBhvr>
+                                        <p:cTn id="8" dur="1" fill="hold">
+                                          <p:stCondLst>
+                                            <p:cond delay="0"/>
+                                          </p:stCondLst>
+                                        </p:cTn>
+                                        <p:tgtEl>
+                                          <p:spTgt spid="3">
+                                            <p:txEl>
+                                              <p:pRg st="1" end="1"/>
+                                            </p:txEl>
+                                          </p:spTgt>
+                                        </p:tgtEl>
+                                        <p:attrNameLst>
+                                          <p:attrName>style.visibility</p:attrName>
+                                        </p:attrNameLst>
+                                      </p:cBhvr>
+                                      <p:to>
+                                        <p:strVal val="visible"/>
+                                      </p:to>
+                                    </p:set>
+                                  </p:childTnLst>
+                                </p:cTn>
+                              </p:par>
+                              <p:par>
+                                <p:cTn id="9" presetID="1" presetClass="entr" presetSubtype="0" fill="hold" grpId="0" nodeType="withEffect">
+                                  <p:stCondLst>
+                                    <p:cond delay="0"/>
+                                  </p:stCondLst>
+                                  <p:childTnLst>
+                                    <p:set>
+                                      <p:cBhvr>
+                                        <p:cTn id="10" dur="1" fill="hold">
+                                          <p:stCondLst>
+                                            <p:cond delay="0"/>
+                                          </p:stCondLst>
+                                        </p:cTn>
+                                        <p:tgtEl>
+                                          <p:spTgt spid="3">
+                                            <p:txEl>
+                                              <p:pRg st="2" end="2"/>
+                                            </p:txEl>
+                                          </p:spTgt>
+                                        </p:tgtEl>
+                                        <p:attrNameLst>
+                                          <p:attrName>style.visibility</p:attrName>
+                                        </p:attrNameLst>
+                                      </p:cBhvr>
+                                      <p:to>
+                                        <p:strVal val="visible"/>
+                                      </p:to>
+                                    </p:set>
+                                  </p:childTnLst>
+                                </p:cTn>
+                              </p:par>
+                            </p:childTnLst>
+                          </p:cTn>
+                        </p:par>
+                      </p:childTnLst>
+                    </p:cTn>
+                  </p:par>
+                  <p:par>
+                    <p:cTn id="11" fill="hold">
+                      <p:stCondLst>
+                        <p:cond delay="indefinite"/>
+                      </p:stCondLst>
+                      <p:childTnLst>
+                        <p:par>
+                          <p:cTn id="12" fill="hold">
+                            <p:stCondLst>
+                              <p:cond delay="0"/>
+                            </p:stCondLst>
+                            <p:childTnLst>
+                              <p:par>
+                                <p:cTn id="13" presetID="1" presetClass="entr" presetSubtype="0" fill="hold" grpId="0" nodeType="clickEffect">
+                                  <p:stCondLst>
+                                    <p:cond delay="0"/>
+                                  </p:stCondLst>
+                                  <p:childTnLst>
+                                    <p:set>
+                                      <p:cBhvr>
+                                        <p:cTn id="14" dur="1" fill="hold">
+                                          <p:stCondLst>
+                                            <p:cond delay="0"/>
+                                          </p:stCondLst>
+                                        </p:cTn>
+                                        <p:tgtEl>
+                                          <p:spTgt spid="3">
+                                            <p:txEl>
+                                              <p:pRg st="3" end="3"/>
+                                            </p:txEl>
+                                          </p:spTgt>
+                                        </p:tgtEl>
+                                        <p:attrNameLst>
+                                          <p:attrName>style.visibility</p:attrName>
+                                        </p:attrNameLst>
+                                      </p:cBhvr>
+                                      <p:to>
+                                        <p:strVal val="visible"/>
+                                      </p:to>
+                                    </p:set>
+                                  </p:childTnLst>
+                                </p:cTn>
+                              </p:par>
+                            </p:childTnLst>
+                          </p:cTn>
+                        </p:par>
+                      </p:childTnLst>
+                    </p:cTn>
+                  </p:par>
+                  <p:par>
+                    <p:cTn id="15" fill="hold">
+                      <p:stCondLst>
+                        <p:cond delay="indefinite"/>
+                      </p:stCondLst>
+                      <p:childTnLst>
+                        <p:par>
+                          <p:cTn id="16" fill="hold">
+                            <p:stCondLst>
+                              <p:cond delay="0"/>
+                            </p:stCondLst>
+                            <p:childTnLst>
+                              <p:par>
+                                <p:cTn id="17" presetID="1" presetClass="entr" presetSubtype="0" fill="hold" grpId="0" nodeType="clickEffect">
+                                  <p:stCondLst>
+                                    <p:cond delay="0"/>
+                                  </p:stCondLst>
+                                  <p:childTnLst>
+                                    <p:set>
+                                      <p:cBhvr>
+                                        <p:cTn id="18" dur="1" fill="hold">
+                                          <p:stCondLst>
+                                            <p:cond delay="0"/>
+                                          </p:stCondLst>
+                                        </p:cTn>
+                                        <p:tgtEl>
+                                          <p:spTgt spid="3">
+                                            <p:txEl>
+                                              <p:pRg st="4" end="4"/>
+                                            </p:txEl>
+                                          </p:spTgt>
+                                        </p:tgtEl>
+                                        <p:attrNameLst>
+                                          <p:attrName>style.visibility</p:attrName>
+                                        </p:attrNameLst>
+                                      </p:cBhvr>
+                                      <p:to>
+                                        <p:strVal val="visible"/>
+                                      </p:to>
+                                    </p:set>
+                                  </p:childTnLst>
+                                </p:cTn>
+                              </p:par>
+                            </p:childTnLst>
+                          </p:cTn>
+                        </p:par>
+                      </p:childTnLst>
+                    </p:cTn>
+                  </p:par>
+                  <p:par>
+                    <p:cTn id="19" fill="hold">
+                      <p:stCondLst>
+                        <p:cond delay="indefinite"/>
+                      </p:stCondLst>
+                      <p:childTnLst>
+                        <p:par>
+                          <p:cTn id="20" fill="hold">
+                            <p:stCondLst>
+                              <p:cond delay="0"/>
+                            </p:stCondLst>
+                            <p:childTnLst>
+                              <p:par>
+                                <p:cTn id="21" presetID="1" presetClass="entr" presetSubtype="0" fill="hold" nodeType="clickEffect">
+                                  <p:stCondLst>
+                                    <p:cond delay="0"/>
+                                  </p:stCondLst>
+                                  <p:childTnLst>
+                                    <p:set>
+                                      <p:cBhvr>
+                                        <p:cTn id="22" dur="1" fill="hold">
+                                          <p:stCondLst>
+                                            <p:cond delay="0"/>
+                                          </p:stCondLst>
+                                        </p:cTn>
+                                        <p:tgtEl>
+                                          <p:spTgt spid="1026"/>
+                                        </p:tgtEl>
+                                        <p:attrNameLst>
+                                          <p:attrName>style.visibility</p:attrName>
+                                        </p:attrNameLst>
+                                      </p:cBhvr>
+                                      <p:to>
+                                        <p:strVal val="visible"/>
+                                      </p:to>
+                                    </p:set>
+                                  </p:childTnLst>
+                                </p:cTn>
+                              </p:par>
+                            </p:childTnLst>
+                          </p:cTn>
+                        </p:par>
+                      </p:childTnLst>
+                    </p:cTn>
+                  </p:par>
+                  <p:par>
+                    <p:cTn id="23" fill="hold">
+                      <p:stCondLst>
+                        <p:cond delay="indefinite"/>
+                      </p:stCondLst>
+                      <p:childTnLst>
+                        <p:par>
+                          <p:cTn id="24" fill="hold">
+                            <p:stCondLst>
+                              <p:cond delay="0"/>
+                            </p:stCondLst>
+                            <p:childTnLst>
+                              <p:par>
+                                <p:cTn id="25" presetID="1" presetClass="entr" presetSubtype="0" fill="hold" grpId="0" nodeType="clickEffect">
+                                  <p:stCondLst>
+                                    <p:cond delay="0"/>
+                                  </p:stCondLst>
+                                  <p:childTnLst>
+                                    <p:set>
+                                      <p:cBhvr>
+                                        <p:cTn id="26" dur="1" fill="hold">
+                                          <p:stCondLst>
+                                            <p:cond delay="0"/>
+                                          </p:stCondLst>
+                                        </p:cTn>
+                                        <p:tgtEl>
+                                          <p:spTgt spid="4"/>
+                                        </p:tgtEl>
+                                        <p:attrNameLst>
+                                          <p:attrName>style.visibility</p:attrName>
+                                        </p:attrNameLst>
+                                      </p:cBhvr>
+                                      <p:to>
+                                        <p:strVal val="visible"/>
+                                      </p:to>
+                                    </p:set>
+                                  </p:childTnLst>
+                                </p:cTn>
+                              </p:par>
+                            </p:childTnLst>
+                          </p:cTn>
+                        </p:par>
+                      </p:childTnLst>
+                    </p:cTn>
+                  </p:par>
+                </p:childTnLst>
+              </p:cTn>
+              <p:prevCondLst>
+                <p:cond evt="onPrev" delay="0">
+                  <p:tgtEl>
+                    <p:sldTgt/>
+                  </p:tgtEl>
+                </p:cond>
+              </p:prevCondLst>
+              <p:nextCondLst>
+                <p:cond evt="onNext" delay="0">
+                  <p:tgtEl>
+                    <p:sldTgt/>
+                  </p:tgtEl>
+                </p:cond>
+              </p:nextCondLst>
+            </p:seq>
+          </p:childTnLst>
+        </p:cTn>
       </p:par>
     </p:tnLst>
+    <p:bldLst>
+      <p:bldP spid="3" grpId="0" uiExpand="1" build="p"/>
+      <p:bldP spid="4" grpId="0" animBg="1"/>
+    </p:bldLst>
   </p:timing>
 </p:sld>
 </file>
@@ -9917,10 +8887,10 @@
           <a:lstStyle/>
           <a:p>
             <a:r>
-              <a:rPr lang="en-US" sz="3600" dirty="0" smtClean="0"/>
-              <a:t>Major improvements to water treatment technologies are still possible! </a:t>
-            </a:r>
-            <a:endParaRPr lang="en-US" sz="3600" dirty="0"/>
+              <a:rPr lang="en-US" dirty="0" smtClean="0"/>
+              <a:t>Capstone Design</a:t>
+            </a:r>
+            <a:endParaRPr lang="en-US" dirty="0"/>
           </a:p>
         </p:txBody>
       </p:sp>
@@ -9940,92 +8910,129 @@
           <a:lstStyle/>
           <a:p>
             <a:r>
-              <a:rPr lang="en-US" dirty="0"/>
-              <a:t>Innovation can be a big break from evolution (or from state-of-the-art) </a:t>
-            </a:r>
-          </a:p>
-          <a:p>
-            <a:pPr lvl="1"/>
-            <a:r>
-              <a:rPr lang="en-US" dirty="0" smtClean="0"/>
-              <a:t>Dose controller</a:t>
-            </a:r>
-          </a:p>
-          <a:p>
-            <a:pPr lvl="1"/>
-            <a:r>
-              <a:rPr lang="en-US" dirty="0" smtClean="0"/>
-              <a:t>Stacked rapid sand filters</a:t>
-            </a:r>
-          </a:p>
-          <a:p>
-            <a:r>
-              <a:rPr lang="en-US" dirty="0" smtClean="0"/>
-              <a:t>Dramatic changes in design targets (</a:t>
-            </a:r>
-            <a:r>
-              <a:rPr lang="en-US" dirty="0" err="1" smtClean="0"/>
-              <a:t>W</a:t>
-            </a:r>
-            <a:r>
-              <a:rPr lang="en-US" baseline="-25000" dirty="0" err="1" smtClean="0"/>
-              <a:t>Sed</a:t>
-            </a:r>
-            <a:r>
-              <a:rPr lang="en-US" dirty="0" smtClean="0"/>
-              <a:t>, </a:t>
-            </a:r>
-            <a:r>
-              <a:rPr lang="en-US" dirty="0" err="1" smtClean="0"/>
-              <a:t>V</a:t>
-            </a:r>
-            <a:r>
-              <a:rPr lang="en-US" baseline="-25000" dirty="0" err="1" smtClean="0"/>
-              <a:t>Sedup</a:t>
-            </a:r>
-            <a:r>
-              <a:rPr lang="en-US" dirty="0" smtClean="0"/>
-              <a:t>, </a:t>
-            </a:r>
-            <a:r>
-              <a:rPr lang="en-US" dirty="0" err="1" smtClean="0"/>
-              <a:t>V</a:t>
-            </a:r>
-            <a:r>
-              <a:rPr lang="en-US" baseline="-25000" dirty="0" err="1" smtClean="0"/>
-              <a:t>c</a:t>
-            </a:r>
-            <a:r>
-              <a:rPr lang="en-US" dirty="0" smtClean="0"/>
-              <a:t>, </a:t>
-            </a:r>
-            <a:r>
-              <a:rPr lang="en-US" dirty="0" err="1" smtClean="0">
-                <a:ea typeface="SimHei" pitchFamily="49" charset="-122"/>
+              <a:rPr lang="en-US" dirty="0" smtClean="0"/>
+              <a:t>I am not asking you to design something that 100s of engineers have designed previously</a:t>
+            </a:r>
+          </a:p>
+          <a:p>
+            <a:r>
+              <a:rPr lang="en-US" dirty="0" smtClean="0"/>
+              <a:t>I am asking you to invent something new, something better than what currently exists</a:t>
+            </a:r>
+          </a:p>
+        </p:txBody>
+      </p:sp>
+      <p:sp>
+        <p:nvSpPr>
+          <p:cNvPr id="4" name="Rectangle 3"/>
+          <p:cNvSpPr/>
+          <p:nvPr/>
+        </p:nvSpPr>
+        <p:spPr bwMode="auto">
+          <a:xfrm>
+            <a:off x="4938576" y="230069"/>
+            <a:ext cx="2521114" cy="1032387"/>
+          </a:xfrm>
+          <a:prstGeom prst="rect">
+            <a:avLst/>
+          </a:prstGeom>
+          <a:solidFill>
+            <a:schemeClr val="bg1"/>
+          </a:solidFill>
+          <a:ln w="12700" cap="flat" cmpd="sng" algn="ctr">
+            <a:solidFill>
+              <a:schemeClr val="bg1"/>
+            </a:solidFill>
+            <a:prstDash val="solid"/>
+            <a:round/>
+            <a:headEnd type="none" w="lg" len="med"/>
+            <a:tailEnd type="none" w="lg" len="med"/>
+          </a:ln>
+          <a:effectLst/>
+        </p:spPr>
+        <p:txBody>
+          <a:bodyPr vert="horz" wrap="square" lIns="91440" tIns="45720" rIns="91440" bIns="45720" numCol="1" rtlCol="0" anchor="t" anchorCtr="0" compatLnSpc="1">
+            <a:prstTxWarp prst="textNoShape">
+              <a:avLst/>
+            </a:prstTxWarp>
+            <a:spAutoFit/>
+          </a:bodyPr>
+          <a:lstStyle/>
+          <a:p>
+            <a:pPr marL="0" marR="0" indent="0" algn="l" defTabSz="914400" rtl="0" eaLnBrk="0" fontAlgn="base" latinLnBrk="0" hangingPunct="0">
+              <a:lnSpc>
+                <a:spcPct val="100000"/>
+              </a:lnSpc>
+              <a:spcBef>
+                <a:spcPct val="50000"/>
+              </a:spcBef>
+              <a:spcAft>
+                <a:spcPct val="0"/>
+              </a:spcAft>
+              <a:buClrTx/>
+              <a:buSzTx/>
+              <a:buFontTx/>
+              <a:buNone/>
+              <a:tabLst/>
+            </a:pPr>
+            <a:endParaRPr kumimoji="0" lang="en-US" sz="2800" b="0" i="0" u="none" strike="noStrike" cap="none" normalizeH="0" baseline="0" smtClean="0">
+              <a:ln>
+                <a:noFill/>
+              </a:ln>
+              <a:solidFill>
+                <a:schemeClr val="tx1"/>
+              </a:solidFill>
+              <a:effectLst/>
+              <a:latin typeface="Times New Roman" pitchFamily="18" charset="0"/>
+            </a:endParaRPr>
+          </a:p>
+        </p:txBody>
+      </p:sp>
+      <p:sp>
+        <p:nvSpPr>
+          <p:cNvPr id="5" name="Rectangle 4"/>
+          <p:cNvSpPr/>
+          <p:nvPr/>
+        </p:nvSpPr>
+        <p:spPr>
+          <a:xfrm>
+            <a:off x="4958684" y="441259"/>
+            <a:ext cx="2501006" cy="769441"/>
+          </a:xfrm>
+          <a:prstGeom prst="rect">
+            <a:avLst/>
+          </a:prstGeom>
+        </p:spPr>
+        <p:txBody>
+          <a:bodyPr wrap="none">
+            <a:spAutoFit/>
+          </a:bodyPr>
+          <a:lstStyle/>
+          <a:p>
+            <a:r>
+              <a:rPr lang="en-US" sz="4400" b="1" kern="0" dirty="0" smtClean="0">
+                <a:solidFill>
+                  <a:schemeClr val="tx2"/>
+                </a:solidFill>
+                <a:latin typeface="+mj-lt"/>
+                <a:ea typeface="+mj-ea"/>
+                <a:cs typeface="+mj-cs"/>
               </a:rPr>
-              <a:t>G</a:t>
-            </a:r>
-            <a:r>
-              <a:rPr lang="en-US" baseline="-25000" dirty="0" err="1" smtClean="0"/>
-              <a:t>Floc</a:t>
-            </a:r>
-            <a:r>
-              <a:rPr lang="en-US" dirty="0" smtClean="0"/>
-              <a:t>, depth of floc blanket)</a:t>
-            </a:r>
-          </a:p>
-          <a:p>
-            <a:r>
-              <a:rPr lang="en-US" dirty="0" smtClean="0"/>
-              <a:t>Try extreme conditions and learn what fails or perhaps find unexpected success!</a:t>
-            </a:r>
+              <a:t>Invention</a:t>
+            </a:r>
+            <a:endParaRPr lang="en-US" b="1" dirty="0">
+              <a:solidFill>
+                <a:schemeClr val="tx2"/>
+              </a:solidFill>
+              <a:latin typeface="+mj-lt"/>
+            </a:endParaRPr>
           </a:p>
         </p:txBody>
       </p:sp>
     </p:spTree>
     <p:extLst>
       <p:ext uri="{BB962C8B-B14F-4D97-AF65-F5344CB8AC3E}">
-        <p14:creationId xmlns:p14="http://schemas.microsoft.com/office/powerpoint/2010/main" val="2751581490"/>
+        <p14:creationId xmlns:p14="http://schemas.microsoft.com/office/powerpoint/2010/main" val="3125003206"/>
       </p:ext>
     </p:extLst>
   </p:cSld>
@@ -10038,9 +9045,124 @@
   <p:timing>
     <p:tnLst>
       <p:par>
-        <p:cTn id="1" dur="indefinite" restart="never" nodeType="tmRoot"/>
+        <p:cTn id="1" dur="indefinite" restart="never" nodeType="tmRoot">
+          <p:childTnLst>
+            <p:seq concurrent="1" nextAc="seek">
+              <p:cTn id="2" dur="indefinite" nodeType="mainSeq">
+                <p:childTnLst>
+                  <p:par>
+                    <p:cTn id="3" fill="hold">
+                      <p:stCondLst>
+                        <p:cond delay="indefinite"/>
+                      </p:stCondLst>
+                      <p:childTnLst>
+                        <p:par>
+                          <p:cTn id="4" fill="hold">
+                            <p:stCondLst>
+                              <p:cond delay="0"/>
+                            </p:stCondLst>
+                            <p:childTnLst>
+                              <p:par>
+                                <p:cTn id="5" presetID="5" presetClass="entr" presetSubtype="10" fill="hold" grpId="0" nodeType="clickEffect">
+                                  <p:stCondLst>
+                                    <p:cond delay="0"/>
+                                  </p:stCondLst>
+                                  <p:childTnLst>
+                                    <p:set>
+                                      <p:cBhvr>
+                                        <p:cTn id="6" dur="1" fill="hold">
+                                          <p:stCondLst>
+                                            <p:cond delay="0"/>
+                                          </p:stCondLst>
+                                        </p:cTn>
+                                        <p:tgtEl>
+                                          <p:spTgt spid="4"/>
+                                        </p:tgtEl>
+                                        <p:attrNameLst>
+                                          <p:attrName>style.visibility</p:attrName>
+                                        </p:attrNameLst>
+                                      </p:cBhvr>
+                                      <p:to>
+                                        <p:strVal val="visible"/>
+                                      </p:to>
+                                    </p:set>
+                                    <p:animEffect transition="in" filter="checkerboard(across)">
+                                      <p:cBhvr>
+                                        <p:cTn id="7" dur="500"/>
+                                        <p:tgtEl>
+                                          <p:spTgt spid="4"/>
+                                        </p:tgtEl>
+                                      </p:cBhvr>
+                                    </p:animEffect>
+                                  </p:childTnLst>
+                                </p:cTn>
+                              </p:par>
+                              <p:par>
+                                <p:cTn id="8" presetID="9" presetClass="entr" presetSubtype="0" fill="hold" grpId="0" nodeType="withEffect">
+                                  <p:stCondLst>
+                                    <p:cond delay="0"/>
+                                  </p:stCondLst>
+                                  <p:childTnLst>
+                                    <p:set>
+                                      <p:cBhvr>
+                                        <p:cTn id="9" dur="1" fill="hold">
+                                          <p:stCondLst>
+                                            <p:cond delay="0"/>
+                                          </p:stCondLst>
+                                        </p:cTn>
+                                        <p:tgtEl>
+                                          <p:spTgt spid="5"/>
+                                        </p:tgtEl>
+                                        <p:attrNameLst>
+                                          <p:attrName>style.visibility</p:attrName>
+                                        </p:attrNameLst>
+                                      </p:cBhvr>
+                                      <p:to>
+                                        <p:strVal val="visible"/>
+                                      </p:to>
+                                    </p:set>
+                                    <p:animEffect transition="in" filter="dissolve">
+                                      <p:cBhvr>
+                                        <p:cTn id="10" dur="500"/>
+                                        <p:tgtEl>
+                                          <p:spTgt spid="5"/>
+                                        </p:tgtEl>
+                                      </p:cBhvr>
+                                    </p:animEffect>
+                                  </p:childTnLst>
+                                </p:cTn>
+                              </p:par>
+                            </p:childTnLst>
+                          </p:cTn>
+                        </p:par>
+                      </p:childTnLst>
+                    </p:cTn>
+                  </p:par>
+                </p:childTnLst>
+              </p:cTn>
+              <p:prevCondLst>
+                <p:cond evt="onPrev" delay="0">
+                  <p:tgtEl>
+                    <p:sldTgt/>
+                  </p:tgtEl>
+                </p:cond>
+              </p:prevCondLst>
+              <p:nextCondLst>
+                <p:cond evt="onNext" delay="0">
+                  <p:tgtEl>
+                    <p:sldTgt/>
+                  </p:tgtEl>
+                </p:cond>
+              </p:nextCondLst>
+            </p:seq>
+          </p:childTnLst>
+        </p:cTn>
       </p:par>
     </p:tnLst>
+    <p:bldLst>
+      <p:bldP spid="4" grpId="0" animBg="1"/>
+      <p:bldP spid="5" grpId="0"/>
+    </p:bldLst>
   </p:timing>
 </p:sld>
 </file>
@@ -10064,7 +9186,7 @@
       </p:grpSpPr>
       <p:sp>
         <p:nvSpPr>
-          <p:cNvPr id="3" name="Title 2"/>
+          <p:cNvPr id="2" name="Title 1"/>
           <p:cNvSpPr>
             <a:spLocks noGrp="1"/>
           </p:cNvSpPr>
@@ -10079,7 +9201,7 @@
           <a:p>
             <a:r>
               <a:rPr lang="en-US" dirty="0" smtClean="0"/>
-              <a:t>Invention are born in a context</a:t>
+              <a:t>What kind of an Engineer are you?</a:t>
             </a:r>
             <a:endParaRPr lang="en-US" dirty="0"/>
           </a:p>
@@ -10087,7 +9209,7 @@
       </p:sp>
       <p:sp>
         <p:nvSpPr>
-          <p:cNvPr id="4" name="Content Placeholder 3"/>
+          <p:cNvPr id="3" name="Content Placeholder 2"/>
           <p:cNvSpPr>
             <a:spLocks noGrp="1"/>
           </p:cNvSpPr>
@@ -10102,28 +9224,80 @@
           <a:p>
             <a:r>
               <a:rPr lang="en-US" dirty="0" smtClean="0"/>
-              <a:t>I never perfected an invention that I did not think about in terms of the service it might give others...I find out what the world needs, then I proceed to invent it. -Thomas Edison</a:t>
-            </a:r>
-          </a:p>
-          <a:p>
-            <a:r>
-              <a:rPr lang="en-US" dirty="0" smtClean="0"/>
-              <a:t>Learn the history and current state of the technology</a:t>
-            </a:r>
-          </a:p>
-          <a:p>
-            <a:r>
-              <a:rPr lang="en-US" dirty="0" smtClean="0"/>
-              <a:t>Then question it all and proceed to Invent</a:t>
-            </a:r>
+              <a:t>Good at using Google?</a:t>
+            </a:r>
+          </a:p>
+          <a:p>
+            <a:r>
+              <a:rPr lang="en-US" dirty="0" smtClean="0"/>
+              <a:t>Satisfied with making one design at a time?</a:t>
+            </a:r>
+          </a:p>
+          <a:p>
+            <a:r>
+              <a:rPr lang="en-US" dirty="0" smtClean="0"/>
+              <a:t>Able to think about the context and create new solutions and new algorithms?</a:t>
+            </a:r>
+          </a:p>
+          <a:p>
+            <a:r>
+              <a:rPr lang="en-US" dirty="0" smtClean="0"/>
+              <a:t>Able to generalize the problem and the solution</a:t>
+            </a:r>
+          </a:p>
+          <a:p>
+            <a:r>
+              <a:rPr lang="en-US" dirty="0" smtClean="0"/>
+              <a:t>Intrigued by the possibility of creating new systems (and jigs)?</a:t>
+            </a:r>
+          </a:p>
+          <a:p>
             <a:endParaRPr lang="en-US" dirty="0"/>
+          </a:p>
+        </p:txBody>
+      </p:sp>
+      <p:sp>
+        <p:nvSpPr>
+          <p:cNvPr id="4" name="TextBox 3"/>
+          <p:cNvSpPr txBox="1"/>
+          <p:nvPr/>
+        </p:nvSpPr>
+        <p:spPr>
+          <a:xfrm>
+            <a:off x="4882552" y="1669212"/>
+            <a:ext cx="4114799" cy="461665"/>
+          </a:xfrm>
+          <a:prstGeom prst="rect">
+            <a:avLst/>
+          </a:prstGeom>
+          <a:noFill/>
+        </p:spPr>
+        <p:txBody>
+          <a:bodyPr wrap="square" rtlCol="0">
+            <a:spAutoFit/>
+          </a:bodyPr>
+          <a:lstStyle/>
+          <a:p>
+            <a:r>
+              <a:rPr lang="en-US" sz="2400" b="0" dirty="0" smtClean="0">
+                <a:solidFill>
+                  <a:schemeClr val="accent4"/>
+                </a:solidFill>
+              </a:rPr>
+              <a:t>Did you need Cornell for this?</a:t>
+            </a:r>
+            <a:endParaRPr lang="en-US" sz="2400" b="0" dirty="0">
+              <a:solidFill>
+                <a:schemeClr val="accent4"/>
+              </a:solidFill>
+            </a:endParaRPr>
           </a:p>
         </p:txBody>
       </p:sp>
     </p:spTree>
     <p:extLst>
       <p:ext uri="{BB962C8B-B14F-4D97-AF65-F5344CB8AC3E}">
-        <p14:creationId xmlns:p14="http://schemas.microsoft.com/office/powerpoint/2010/main" val="502755371"/>
+        <p14:creationId xmlns:p14="http://schemas.microsoft.com/office/powerpoint/2010/main" val="1588257582"/>
       </p:ext>
     </p:extLst>
   </p:cSld>
@@ -10136,9 +9310,326 @@
   <p:timing>
     <p:tnLst>
       <p:par>
-        <p:cTn id="1" dur="indefinite" restart="never" nodeType="tmRoot"/>
+        <p:cTn id="1" dur="indefinite" restart="never" nodeType="tmRoot">
+          <p:childTnLst>
+            <p:seq concurrent="1" nextAc="seek">
+              <p:cTn id="2" dur="indefinite" nodeType="mainSeq">
+                <p:childTnLst>
+                  <p:par>
+                    <p:cTn id="3" fill="hold">
+                      <p:stCondLst>
+                        <p:cond delay="indefinite"/>
+                      </p:stCondLst>
+                      <p:childTnLst>
+                        <p:par>
+                          <p:cTn id="4" fill="hold">
+                            <p:stCondLst>
+                              <p:cond delay="0"/>
+                            </p:stCondLst>
+                            <p:childTnLst>
+                              <p:par>
+                                <p:cTn id="5" presetID="1" presetClass="entr" presetSubtype="0" fill="hold" grpId="0" nodeType="clickEffect">
+                                  <p:stCondLst>
+                                    <p:cond delay="0"/>
+                                  </p:stCondLst>
+                                  <p:childTnLst>
+                                    <p:set>
+                                      <p:cBhvr>
+                                        <p:cTn id="6" dur="1" fill="hold">
+                                          <p:stCondLst>
+                                            <p:cond delay="0"/>
+                                          </p:stCondLst>
+                                        </p:cTn>
+                                        <p:tgtEl>
+                                          <p:spTgt spid="3">
+                                            <p:txEl>
+                                              <p:pRg st="0" end="0"/>
+                                            </p:txEl>
+                                          </p:spTgt>
+                                        </p:tgtEl>
+                                        <p:attrNameLst>
+                                          <p:attrName>style.visibility</p:attrName>
+                                        </p:attrNameLst>
+                                      </p:cBhvr>
+                                      <p:to>
+                                        <p:strVal val="visible"/>
+                                      </p:to>
+                                    </p:set>
+                                  </p:childTnLst>
+                                </p:cTn>
+                              </p:par>
+                            </p:childTnLst>
+                          </p:cTn>
+                        </p:par>
+                      </p:childTnLst>
+                    </p:cTn>
+                  </p:par>
+                  <p:par>
+                    <p:cTn id="7" fill="hold">
+                      <p:stCondLst>
+                        <p:cond delay="indefinite"/>
+                      </p:stCondLst>
+                      <p:childTnLst>
+                        <p:par>
+                          <p:cTn id="8" fill="hold">
+                            <p:stCondLst>
+                              <p:cond delay="0"/>
+                            </p:stCondLst>
+                            <p:childTnLst>
+                              <p:par>
+                                <p:cTn id="9" presetID="1" presetClass="entr" presetSubtype="0" fill="hold" grpId="0" nodeType="clickEffect">
+                                  <p:stCondLst>
+                                    <p:cond delay="0"/>
+                                  </p:stCondLst>
+                                  <p:childTnLst>
+                                    <p:set>
+                                      <p:cBhvr>
+                                        <p:cTn id="10" dur="1" fill="hold">
+                                          <p:stCondLst>
+                                            <p:cond delay="0"/>
+                                          </p:stCondLst>
+                                        </p:cTn>
+                                        <p:tgtEl>
+                                          <p:spTgt spid="4"/>
+                                        </p:tgtEl>
+                                        <p:attrNameLst>
+                                          <p:attrName>style.visibility</p:attrName>
+                                        </p:attrNameLst>
+                                      </p:cBhvr>
+                                      <p:to>
+                                        <p:strVal val="visible"/>
+                                      </p:to>
+                                    </p:set>
+                                  </p:childTnLst>
+                                </p:cTn>
+                              </p:par>
+                            </p:childTnLst>
+                          </p:cTn>
+                        </p:par>
+                      </p:childTnLst>
+                    </p:cTn>
+                  </p:par>
+                  <p:par>
+                    <p:cTn id="11" fill="hold">
+                      <p:stCondLst>
+                        <p:cond delay="indefinite"/>
+                      </p:stCondLst>
+                      <p:childTnLst>
+                        <p:par>
+                          <p:cTn id="12" fill="hold">
+                            <p:stCondLst>
+                              <p:cond delay="0"/>
+                            </p:stCondLst>
+                            <p:childTnLst>
+                              <p:par>
+                                <p:cTn id="13" presetID="1" presetClass="entr" presetSubtype="0" fill="hold" grpId="0" nodeType="clickEffect">
+                                  <p:stCondLst>
+                                    <p:cond delay="0"/>
+                                  </p:stCondLst>
+                                  <p:childTnLst>
+                                    <p:set>
+                                      <p:cBhvr>
+                                        <p:cTn id="14" dur="1" fill="hold">
+                                          <p:stCondLst>
+                                            <p:cond delay="0"/>
+                                          </p:stCondLst>
+                                        </p:cTn>
+                                        <p:tgtEl>
+                                          <p:spTgt spid="3">
+                                            <p:txEl>
+                                              <p:pRg st="1" end="1"/>
+                                            </p:txEl>
+                                          </p:spTgt>
+                                        </p:tgtEl>
+                                        <p:attrNameLst>
+                                          <p:attrName>style.visibility</p:attrName>
+                                        </p:attrNameLst>
+                                      </p:cBhvr>
+                                      <p:to>
+                                        <p:strVal val="visible"/>
+                                      </p:to>
+                                    </p:set>
+                                  </p:childTnLst>
+                                </p:cTn>
+                              </p:par>
+                            </p:childTnLst>
+                          </p:cTn>
+                        </p:par>
+                      </p:childTnLst>
+                    </p:cTn>
+                  </p:par>
+                  <p:par>
+                    <p:cTn id="15" fill="hold">
+                      <p:stCondLst>
+                        <p:cond delay="indefinite"/>
+                      </p:stCondLst>
+                      <p:childTnLst>
+                        <p:par>
+                          <p:cTn id="16" fill="hold">
+                            <p:stCondLst>
+                              <p:cond delay="0"/>
+                            </p:stCondLst>
+                            <p:childTnLst>
+                              <p:par>
+                                <p:cTn id="17" presetID="1" presetClass="entr" presetSubtype="0" fill="hold" grpId="0" nodeType="clickEffect">
+                                  <p:stCondLst>
+                                    <p:cond delay="0"/>
+                                  </p:stCondLst>
+                                  <p:childTnLst>
+                                    <p:set>
+                                      <p:cBhvr>
+                                        <p:cTn id="18" dur="1" fill="hold">
+                                          <p:stCondLst>
+                                            <p:cond delay="0"/>
+                                          </p:stCondLst>
+                                        </p:cTn>
+                                        <p:tgtEl>
+                                          <p:spTgt spid="3">
+                                            <p:txEl>
+                                              <p:pRg st="2" end="2"/>
+                                            </p:txEl>
+                                          </p:spTgt>
+                                        </p:tgtEl>
+                                        <p:attrNameLst>
+                                          <p:attrName>style.visibility</p:attrName>
+                                        </p:attrNameLst>
+                                      </p:cBhvr>
+                                      <p:to>
+                                        <p:strVal val="visible"/>
+                                      </p:to>
+                                    </p:set>
+                                  </p:childTnLst>
+                                </p:cTn>
+                              </p:par>
+                            </p:childTnLst>
+                          </p:cTn>
+                        </p:par>
+                      </p:childTnLst>
+                    </p:cTn>
+                  </p:par>
+                  <p:par>
+                    <p:cTn id="19" fill="hold">
+                      <p:stCondLst>
+                        <p:cond delay="indefinite"/>
+                      </p:stCondLst>
+                      <p:childTnLst>
+                        <p:par>
+                          <p:cTn id="20" fill="hold">
+                            <p:stCondLst>
+                              <p:cond delay="0"/>
+                            </p:stCondLst>
+                            <p:childTnLst>
+                              <p:par>
+                                <p:cTn id="21" presetID="1" presetClass="entr" presetSubtype="0" fill="hold" grpId="0" nodeType="clickEffect">
+                                  <p:stCondLst>
+                                    <p:cond delay="0"/>
+                                  </p:stCondLst>
+                                  <p:childTnLst>
+                                    <p:set>
+                                      <p:cBhvr>
+                                        <p:cTn id="22" dur="1" fill="hold">
+                                          <p:stCondLst>
+                                            <p:cond delay="0"/>
+                                          </p:stCondLst>
+                                        </p:cTn>
+                                        <p:tgtEl>
+                                          <p:spTgt spid="3">
+                                            <p:txEl>
+                                              <p:pRg st="3" end="3"/>
+                                            </p:txEl>
+                                          </p:spTgt>
+                                        </p:tgtEl>
+                                        <p:attrNameLst>
+                                          <p:attrName>style.visibility</p:attrName>
+                                        </p:attrNameLst>
+                                      </p:cBhvr>
+                                      <p:to>
+                                        <p:strVal val="visible"/>
+                                      </p:to>
+                                    </p:set>
+                                  </p:childTnLst>
+                                </p:cTn>
+                              </p:par>
+                            </p:childTnLst>
+                          </p:cTn>
+                        </p:par>
+                      </p:childTnLst>
+                    </p:cTn>
+                  </p:par>
+                  <p:par>
+                    <p:cTn id="23" fill="hold">
+                      <p:stCondLst>
+                        <p:cond delay="indefinite"/>
+                      </p:stCondLst>
+                      <p:childTnLst>
+                        <p:par>
+                          <p:cTn id="24" fill="hold">
+                            <p:stCondLst>
+                              <p:cond delay="0"/>
+                            </p:stCondLst>
+                            <p:childTnLst>
+                              <p:par>
+                                <p:cTn id="25" presetID="1" presetClass="entr" presetSubtype="0" fill="hold" grpId="0" nodeType="clickEffect">
+                                  <p:stCondLst>
+                                    <p:cond delay="0"/>
+                                  </p:stCondLst>
+                                  <p:childTnLst>
+                                    <p:set>
+                                      <p:cBhvr>
+                                        <p:cTn id="26" dur="1" fill="hold">
+                                          <p:stCondLst>
+                                            <p:cond delay="0"/>
+                                          </p:stCondLst>
+                                        </p:cTn>
+                                        <p:tgtEl>
+                                          <p:spTgt spid="3">
+                                            <p:txEl>
+                                              <p:pRg st="4" end="4"/>
+                                            </p:txEl>
+                                          </p:spTgt>
+                                        </p:tgtEl>
+                                        <p:attrNameLst>
+                                          <p:attrName>style.visibility</p:attrName>
+                                        </p:attrNameLst>
+                                      </p:cBhvr>
+                                      <p:to>
+                                        <p:strVal val="visible"/>
+                                      </p:to>
+                                    </p:set>
+                                  </p:childTnLst>
+                                </p:cTn>
+                              </p:par>
+                            </p:childTnLst>
+                          </p:cTn>
+                        </p:par>
+                      </p:childTnLst>
+                    </p:cTn>
+                  </p:par>
+                </p:childTnLst>
+              </p:cTn>
+              <p:prevCondLst>
+                <p:cond evt="onPrev" delay="0">
+                  <p:tgtEl>
+                    <p:sldTgt/>
+                  </p:tgtEl>
+                </p:cond>
+              </p:prevCondLst>
+              <p:nextCondLst>
+                <p:cond evt="onNext" delay="0">
+                  <p:tgtEl>
+                    <p:sldTgt/>
+                  </p:tgtEl>
+                </p:cond>
+              </p:nextCondLst>
+            </p:seq>
+          </p:childTnLst>
+        </p:cTn>
       </p:par>
     </p:tnLst>
+    <p:bldLst>
+      <p:bldP spid="3" grpId="0" build="p"/>
+      <p:bldP spid="4" grpId="0"/>
+    </p:bldLst>
   </p:timing>
 </p:sld>
 </file>

--- a/Lectures/In Class/Design Reflections.pptx
+++ b/Lectures/In Class/Design Reflections.pptx
@@ -40,15 +40,15 @@
   <p:notesSz cx="6858000" cy="9296400"/>
   <p:embeddedFontLst>
     <p:embeddedFont>
-      <p:font typeface="Candara" panose="020E0502030303020204" pitchFamily="34" charset="0"/>
+      <p:font typeface="SimHei" panose="020B0604020202020204" charset="-122"/>
       <p:regular r:id="rId28"/>
-      <p:bold r:id="rId29"/>
-      <p:italic r:id="rId30"/>
-      <p:boldItalic r:id="rId31"/>
     </p:embeddedFont>
     <p:embeddedFont>
-      <p:font typeface="SimHei" panose="020B0604020202020204" charset="-122"/>
-      <p:regular r:id="rId32"/>
+      <p:font typeface="Candara" panose="020E0502030303020204" pitchFamily="34" charset="0"/>
+      <p:regular r:id="rId29"/>
+      <p:bold r:id="rId30"/>
+      <p:italic r:id="rId31"/>
+      <p:boldItalic r:id="rId32"/>
     </p:embeddedFont>
   </p:embeddedFontLst>
   <p:defaultTextStyle>
@@ -5012,8 +5012,20 @@
             </a:r>
             <a:r>
               <a:rPr lang="en-US" dirty="0" smtClean="0"/>
-              <a:t> – a jig that can easily be configured to produce designs of anything!</a:t>
-            </a:r>
+              <a:t> – a jig that can easily be configured to produce designs of anything</a:t>
+            </a:r>
+            <a:r>
+              <a:rPr lang="en-US" dirty="0" smtClean="0"/>
+              <a:t>!</a:t>
+            </a:r>
+            <a:endParaRPr lang="en-US" dirty="0"/>
+          </a:p>
+          <a:p>
+            <a:r>
+              <a:rPr lang="en-US" dirty="0" smtClean="0"/>
+              <a:t>Your code should allow a change to a starting assumption and have that change carry the WHOLE WAY through the design</a:t>
+            </a:r>
+            <a:endParaRPr lang="en-US" dirty="0" smtClean="0"/>
           </a:p>
           <a:p>
             <a:endParaRPr lang="en-US" dirty="0"/>
@@ -5415,7 +5427,6 @@
               <a:rPr lang="en-US" dirty="0" smtClean="0"/>
               <a:t>Remember sustainability</a:t>
             </a:r>
-            <a:endParaRPr lang="en-US" dirty="0" smtClean="0"/>
           </a:p>
           <a:p>
             <a:endParaRPr lang="en-US" dirty="0"/>
@@ -6884,15 +6895,7 @@
           <a:p>
             <a:r>
               <a:rPr lang="en-US" dirty="0" smtClean="0"/>
-              <a:t>What kind of </a:t>
-            </a:r>
-            <a:r>
-              <a:rPr lang="en-US" dirty="0" smtClean="0"/>
-              <a:t>design </a:t>
-            </a:r>
-            <a:r>
-              <a:rPr lang="en-US" dirty="0" smtClean="0"/>
-              <a:t>project do you want to do?</a:t>
+              <a:t>What kind of design project do you want to do?</a:t>
             </a:r>
           </a:p>
         </p:txBody>
@@ -7636,11 +7639,7 @@
             </a:r>
             <a:r>
               <a:rPr lang="en-US" dirty="0" smtClean="0"/>
-              <a:t> </a:t>
-            </a:r>
-            <a:r>
-              <a:rPr lang="en-US" dirty="0" smtClean="0"/>
-              <a:t>code as needed. No need to recreate the code. </a:t>
+              <a:t> code as needed. No need to recreate the code. </a:t>
             </a:r>
           </a:p>
           <a:p>
@@ -7704,11 +7703,15 @@
           <a:p>
             <a:r>
               <a:rPr lang="en-US" dirty="0" smtClean="0"/>
-              <a:t>…write in </a:t>
-            </a:r>
-            <a:r>
-              <a:rPr lang="en-US" dirty="0" smtClean="0"/>
-              <a:t>Markdown</a:t>
+              <a:t>…write in a </a:t>
+            </a:r>
+            <a:r>
+              <a:rPr lang="en-US" dirty="0" err="1" smtClean="0"/>
+              <a:t>Colab</a:t>
+            </a:r>
+            <a:r>
+              <a:rPr lang="en-US" dirty="0" smtClean="0"/>
+              <a:t> Notebook</a:t>
             </a:r>
             <a:endParaRPr lang="en-US" dirty="0"/>
           </a:p>
@@ -7749,11 +7752,7 @@
           <a:p>
             <a:r>
               <a:rPr lang="en-US" dirty="0" smtClean="0"/>
-              <a:t>Proofread </a:t>
-            </a:r>
-            <a:r>
-              <a:rPr lang="en-US" dirty="0" smtClean="0"/>
-              <a:t>the entire document before submission</a:t>
+              <a:t>Proofread the entire document before submission</a:t>
             </a:r>
           </a:p>
           <a:p>
@@ -8191,11 +8190,7 @@
           <a:p>
             <a:r>
               <a:rPr lang="en-US" dirty="0" smtClean="0"/>
-              <a:t>Try extreme conditions and learn what fails or perhaps find unexpected success</a:t>
-            </a:r>
-            <a:r>
-              <a:rPr lang="en-US" dirty="0" smtClean="0"/>
-              <a:t>!</a:t>
+              <a:t>Try extreme conditions and learn what fails or perhaps find unexpected success!</a:t>
             </a:r>
           </a:p>
           <a:p>
@@ -8204,7 +8199,6 @@
               <a:rPr lang="en-US" dirty="0" smtClean="0"/>
               <a:t>Settlers and diffusers!</a:t>
             </a:r>
-            <a:endParaRPr lang="en-US" dirty="0" smtClean="0"/>
           </a:p>
         </p:txBody>
       </p:sp>
